--- a/doc/STLC Best Practice - implementing a blog system.pptx
+++ b/doc/STLC Best Practice - implementing a blog system.pptx
@@ -3,14 +3,16 @@
 <p:presentation xmlns:a="http://schemas.openxmlformats.org/drawingml/2006/main" xmlns:r="http://schemas.openxmlformats.org/officeDocument/2006/relationships" xmlns:p="http://schemas.openxmlformats.org/presentationml/2006/main">
   <p:sldMasterIdLst>
     <p:sldMasterId id="2147483648" r:id="rId1"/>
+    <p:sldMasterId id="2147483660" r:id="rId3"/>
   </p:sldMasterIdLst>
   <p:sldIdLst>
-    <p:sldId id="258" r:id="rId3"/>
-    <p:sldId id="257" r:id="rId4"/>
-    <p:sldId id="265" r:id="rId5"/>
+    <p:sldId id="258" r:id="rId4"/>
+    <p:sldId id="257" r:id="rId5"/>
     <p:sldId id="266" r:id="rId6"/>
     <p:sldId id="267" r:id="rId7"/>
     <p:sldId id="269" r:id="rId8"/>
+    <p:sldId id="265" r:id="rId9"/>
+    <p:sldId id="270" r:id="rId10"/>
   </p:sldIdLst>
   <p:sldSz cx="12192000" cy="6858000"/>
   <p:notesSz cx="6858000" cy="9144000"/>
@@ -949,7 +951,375 @@
 </p:sldLayout>
 </file>
 
-<file path=ppt/slideLayouts/slideLayout2.xml><?xml version="1.0" encoding="utf-8"?>
+<file path=ppt/slideLayouts/slideLayout12.xml><?xml version="1.0" encoding="utf-8"?>
+<p:sldLayout xmlns:a="http://schemas.openxmlformats.org/drawingml/2006/main" xmlns:r="http://schemas.openxmlformats.org/officeDocument/2006/relationships" xmlns:p="http://schemas.openxmlformats.org/presentationml/2006/main" type="secHead" preserve="1">
+  <p:cSld name="Title Slide">
+    <p:bg>
+      <p:bgPr>
+        <a:solidFill>
+          <a:srgbClr val="000000"/>
+        </a:solidFill>
+        <a:effectLst/>
+      </p:bgPr>
+    </p:bg>
+    <p:spTree>
+      <p:nvGrpSpPr>
+        <p:cNvPr id="1" name=""/>
+        <p:cNvGrpSpPr/>
+        <p:nvPr/>
+      </p:nvGrpSpPr>
+      <p:grpSpPr>
+        <a:xfrm>
+          <a:off x="0" y="0"/>
+          <a:ext cx="0" cy="0"/>
+          <a:chOff x="0" y="0"/>
+          <a:chExt cx="0" cy="0"/>
+        </a:xfrm>
+      </p:grpSpPr>
+      <p:sp>
+        <p:nvSpPr>
+          <p:cNvPr id="8" name="Rectangle 7"/>
+          <p:cNvSpPr/>
+          <p:nvPr userDrawn="1"/>
+        </p:nvSpPr>
+        <p:spPr>
+          <a:xfrm>
+            <a:off x="0" y="0"/>
+            <a:ext cx="12301979" cy="6858000"/>
+          </a:xfrm>
+          <a:prstGeom prst="rect">
+            <a:avLst/>
+          </a:prstGeom>
+          <a:solidFill>
+            <a:schemeClr val="bg1"/>
+          </a:solidFill>
+          <a:ln>
+            <a:noFill/>
+          </a:ln>
+        </p:spPr>
+        <p:style>
+          <a:lnRef idx="2">
+            <a:schemeClr val="accent1">
+              <a:shade val="50000"/>
+            </a:schemeClr>
+          </a:lnRef>
+          <a:fillRef idx="1">
+            <a:schemeClr val="accent1"/>
+          </a:fillRef>
+          <a:effectRef idx="0">
+            <a:schemeClr val="accent1"/>
+          </a:effectRef>
+          <a:fontRef idx="minor">
+            <a:schemeClr val="lt1"/>
+          </a:fontRef>
+        </p:style>
+        <p:txBody>
+          <a:bodyPr rtlCol="0" anchor="ctr"/>
+          <a:lstStyle/>
+          <a:p>
+            <a:pPr algn="ctr"/>
+            <a:endParaRPr lang="en-US" dirty="0"/>
+          </a:p>
+        </p:txBody>
+      </p:sp>
+      <p:sp>
+        <p:nvSpPr>
+          <p:cNvPr id="2" name="Title 1"/>
+          <p:cNvSpPr>
+            <a:spLocks noGrp="1"/>
+          </p:cNvSpPr>
+          <p:nvPr>
+            <p:ph type="title"/>
+          </p:nvPr>
+        </p:nvSpPr>
+        <p:spPr>
+          <a:xfrm>
+            <a:off x="831850" y="1716313"/>
+            <a:ext cx="10515600" cy="2852737"/>
+          </a:xfrm>
+        </p:spPr>
+        <p:txBody>
+          <a:bodyPr anchor="b"/>
+          <a:lstStyle>
+            <a:lvl1pPr>
+              <a:defRPr sz="6000"/>
+            </a:lvl1pPr>
+          </a:lstStyle>
+          <a:p>
+            <a:r>
+              <a:rPr lang="en-US"/>
+              <a:t>Click to edit Master title style</a:t>
+            </a:r>
+            <a:endParaRPr lang="en-US" dirty="0"/>
+          </a:p>
+        </p:txBody>
+      </p:sp>
+      <p:sp>
+        <p:nvSpPr>
+          <p:cNvPr id="3" name="Text Placeholder 2"/>
+          <p:cNvSpPr>
+            <a:spLocks noGrp="1"/>
+          </p:cNvSpPr>
+          <p:nvPr>
+            <p:ph type="body" idx="1"/>
+          </p:nvPr>
+        </p:nvSpPr>
+        <p:spPr>
+          <a:xfrm>
+            <a:off x="831850" y="4589463"/>
+            <a:ext cx="10515600" cy="1500187"/>
+          </a:xfrm>
+        </p:spPr>
+        <p:txBody>
+          <a:bodyPr/>
+          <a:lstStyle>
+            <a:lvl1pPr marL="0" indent="0">
+              <a:buNone/>
+              <a:defRPr sz="2400">
+                <a:solidFill>
+                  <a:schemeClr val="tx1">
+                    <a:tint val="75000"/>
+                  </a:schemeClr>
+                </a:solidFill>
+              </a:defRPr>
+            </a:lvl1pPr>
+            <a:lvl2pPr marL="457200" indent="0">
+              <a:buNone/>
+              <a:defRPr sz="2000">
+                <a:solidFill>
+                  <a:schemeClr val="tx1">
+                    <a:tint val="75000"/>
+                  </a:schemeClr>
+                </a:solidFill>
+              </a:defRPr>
+            </a:lvl2pPr>
+            <a:lvl3pPr marL="914400" indent="0">
+              <a:buNone/>
+              <a:defRPr sz="1800">
+                <a:solidFill>
+                  <a:schemeClr val="tx1">
+                    <a:tint val="75000"/>
+                  </a:schemeClr>
+                </a:solidFill>
+              </a:defRPr>
+            </a:lvl3pPr>
+            <a:lvl4pPr marL="1371600" indent="0">
+              <a:buNone/>
+              <a:defRPr sz="1600">
+                <a:solidFill>
+                  <a:schemeClr val="tx1">
+                    <a:tint val="75000"/>
+                  </a:schemeClr>
+                </a:solidFill>
+              </a:defRPr>
+            </a:lvl4pPr>
+            <a:lvl5pPr marL="1828800" indent="0">
+              <a:buNone/>
+              <a:defRPr sz="1600">
+                <a:solidFill>
+                  <a:schemeClr val="tx1">
+                    <a:tint val="75000"/>
+                  </a:schemeClr>
+                </a:solidFill>
+              </a:defRPr>
+            </a:lvl5pPr>
+            <a:lvl6pPr marL="2286000" indent="0">
+              <a:buNone/>
+              <a:defRPr sz="1600">
+                <a:solidFill>
+                  <a:schemeClr val="tx1">
+                    <a:tint val="75000"/>
+                  </a:schemeClr>
+                </a:solidFill>
+              </a:defRPr>
+            </a:lvl6pPr>
+            <a:lvl7pPr marL="2743200" indent="0">
+              <a:buNone/>
+              <a:defRPr sz="1600">
+                <a:solidFill>
+                  <a:schemeClr val="tx1">
+                    <a:tint val="75000"/>
+                  </a:schemeClr>
+                </a:solidFill>
+              </a:defRPr>
+            </a:lvl7pPr>
+            <a:lvl8pPr marL="3200400" indent="0">
+              <a:buNone/>
+              <a:defRPr sz="1600">
+                <a:solidFill>
+                  <a:schemeClr val="tx1">
+                    <a:tint val="75000"/>
+                  </a:schemeClr>
+                </a:solidFill>
+              </a:defRPr>
+            </a:lvl8pPr>
+            <a:lvl9pPr marL="3657600" indent="0">
+              <a:buNone/>
+              <a:defRPr sz="1600">
+                <a:solidFill>
+                  <a:schemeClr val="tx1">
+                    <a:tint val="75000"/>
+                  </a:schemeClr>
+                </a:solidFill>
+              </a:defRPr>
+            </a:lvl9pPr>
+          </a:lstStyle>
+          <a:p>
+            <a:pPr lvl="0"/>
+            <a:r>
+              <a:rPr lang="en-US"/>
+              <a:t>Click to edit Master text styles</a:t>
+            </a:r>
+            <a:endParaRPr lang="en-US"/>
+          </a:p>
+        </p:txBody>
+      </p:sp>
+      <p:sp>
+        <p:nvSpPr>
+          <p:cNvPr id="4" name="Date Placeholder 3"/>
+          <p:cNvSpPr>
+            <a:spLocks noGrp="1"/>
+          </p:cNvSpPr>
+          <p:nvPr>
+            <p:ph type="dt" sz="half" idx="10"/>
+          </p:nvPr>
+        </p:nvSpPr>
+        <p:spPr/>
+        <p:txBody>
+          <a:bodyPr/>
+          <a:lstStyle/>
+          <a:p>
+            <a:fld id="{D23825CE-EA27-43C6-AB1F-080E7FF7D097}" type="datetimeFigureOut">
+              <a:rPr lang="en-US" smtClean="0"/>
+            </a:fld>
+            <a:endParaRPr lang="en-US" dirty="0"/>
+          </a:p>
+        </p:txBody>
+      </p:sp>
+      <p:sp>
+        <p:nvSpPr>
+          <p:cNvPr id="5" name="Footer Placeholder 4"/>
+          <p:cNvSpPr>
+            <a:spLocks noGrp="1"/>
+          </p:cNvSpPr>
+          <p:nvPr>
+            <p:ph type="ftr" sz="quarter" idx="11"/>
+          </p:nvPr>
+        </p:nvSpPr>
+        <p:spPr/>
+        <p:txBody>
+          <a:bodyPr/>
+          <a:lstStyle/>
+          <a:p>
+            <a:endParaRPr lang="en-US" dirty="0"/>
+          </a:p>
+        </p:txBody>
+      </p:sp>
+      <p:sp>
+        <p:nvSpPr>
+          <p:cNvPr id="6" name="Slide Number Placeholder 5"/>
+          <p:cNvSpPr>
+            <a:spLocks noGrp="1"/>
+          </p:cNvSpPr>
+          <p:nvPr>
+            <p:ph type="sldNum" sz="quarter" idx="12"/>
+          </p:nvPr>
+        </p:nvSpPr>
+        <p:spPr/>
+        <p:txBody>
+          <a:bodyPr/>
+          <a:lstStyle/>
+          <a:p>
+            <a:fld id="{49C557A5-E416-4952-AD0C-7AF552945DF5}" type="slidenum">
+              <a:rPr lang="en-US" smtClean="0"/>
+            </a:fld>
+            <a:endParaRPr lang="en-US" dirty="0"/>
+          </a:p>
+        </p:txBody>
+      </p:sp>
+      <p:pic>
+        <p:nvPicPr>
+          <p:cNvPr id="7" name="Graphic 6"/>
+          <p:cNvPicPr>
+            <a:picLocks noChangeAspect="1"/>
+          </p:cNvPicPr>
+          <p:nvPr userDrawn="1"/>
+        </p:nvPicPr>
+        <p:blipFill>
+          <a:blip r:embed="rId2">
+            <a:extLst>
+              <a:ext uri="{28A0092B-C50C-407E-A947-70E740481C1C}">
+                <a14:useLocalDpi xmlns:a14="http://schemas.microsoft.com/office/drawing/2010/main" val="0"/>
+              </a:ext>
+              <a:ext uri="{96DAC541-7B7A-43D3-8B79-37D633B846F1}">
+                <asvg:svgBlip xmlns:asvg="http://schemas.microsoft.com/office/drawing/2016/SVG/main" r:embed="rId3"/>
+              </a:ext>
+            </a:extLst>
+          </a:blip>
+          <a:stretch>
+            <a:fillRect/>
+          </a:stretch>
+        </p:blipFill>
+        <p:spPr>
+          <a:xfrm>
+            <a:off x="10078872" y="4702400"/>
+            <a:ext cx="2031312" cy="2031312"/>
+          </a:xfrm>
+          <a:prstGeom prst="rect">
+            <a:avLst/>
+          </a:prstGeom>
+          <a:effectLst>
+            <a:glow rad="101600">
+              <a:schemeClr val="accent3">
+                <a:satMod val="175000"/>
+                <a:alpha val="40000"/>
+              </a:schemeClr>
+            </a:glow>
+          </a:effectLst>
+        </p:spPr>
+      </p:pic>
+      <p:pic>
+        <p:nvPicPr>
+          <p:cNvPr id="18" name="Graphic 17"/>
+          <p:cNvPicPr>
+            <a:picLocks noChangeAspect="1"/>
+          </p:cNvPicPr>
+          <p:nvPr userDrawn="1"/>
+        </p:nvPicPr>
+        <p:blipFill>
+          <a:blip r:embed="rId4">
+            <a:extLst>
+              <a:ext uri="{28A0092B-C50C-407E-A947-70E740481C1C}">
+                <a14:useLocalDpi xmlns:a14="http://schemas.microsoft.com/office/drawing/2010/main" val="0"/>
+              </a:ext>
+              <a:ext uri="{96DAC541-7B7A-43D3-8B79-37D633B846F1}">
+                <asvg:svgBlip xmlns:asvg="http://schemas.microsoft.com/office/drawing/2016/SVG/main" r:embed="rId5"/>
+              </a:ext>
+            </a:extLst>
+          </a:blip>
+          <a:stretch>
+            <a:fillRect/>
+          </a:stretch>
+        </p:blipFill>
+        <p:spPr>
+          <a:xfrm>
+            <a:off x="495229" y="430970"/>
+            <a:ext cx="11201542" cy="883402"/>
+          </a:xfrm>
+          <a:prstGeom prst="rect">
+            <a:avLst/>
+          </a:prstGeom>
+        </p:spPr>
+      </p:pic>
+    </p:spTree>
+  </p:cSld>
+  <p:clrMapOvr>
+    <a:overrideClrMapping bg1="dk1" tx1="lt1" bg2="dk2" tx2="lt2" accent1="accent1" accent2="accent2" accent3="accent3" accent4="accent4" accent5="accent5" accent6="accent6" hlink="hlink" folHlink="folHlink"/>
+  </p:clrMapOvr>
+</p:sldLayout>
+</file>
+
+<file path=ppt/slideLayouts/slideLayout13.xml><?xml version="1.0" encoding="utf-8"?>
 <p:sldLayout xmlns:a="http://schemas.openxmlformats.org/drawingml/2006/main" xmlns:r="http://schemas.openxmlformats.org/officeDocument/2006/relationships" xmlns:p="http://schemas.openxmlformats.org/presentationml/2006/main" type="title" preserve="1">
   <p:cSld name="Header Slide">
     <p:spTree>
@@ -1288,6 +1658,2784 @@
           </a:prstGeom>
         </p:spPr>
       </p:pic>
+    </p:spTree>
+  </p:cSld>
+  <p:clrMapOvr>
+    <a:masterClrMapping/>
+  </p:clrMapOvr>
+</p:sldLayout>
+</file>
+
+<file path=ppt/slideLayouts/slideLayout14.xml><?xml version="1.0" encoding="utf-8"?>
+<p:sldLayout xmlns:a="http://schemas.openxmlformats.org/drawingml/2006/main" xmlns:r="http://schemas.openxmlformats.org/officeDocument/2006/relationships" xmlns:p="http://schemas.openxmlformats.org/presentationml/2006/main" type="obj" preserve="1">
+  <p:cSld name="Title and Content">
+    <p:spTree>
+      <p:nvGrpSpPr>
+        <p:cNvPr id="1" name=""/>
+        <p:cNvGrpSpPr/>
+        <p:nvPr/>
+      </p:nvGrpSpPr>
+      <p:grpSpPr>
+        <a:xfrm>
+          <a:off x="0" y="0"/>
+          <a:ext cx="0" cy="0"/>
+          <a:chOff x="0" y="0"/>
+          <a:chExt cx="0" cy="0"/>
+        </a:xfrm>
+      </p:grpSpPr>
+      <p:sp>
+        <p:nvSpPr>
+          <p:cNvPr id="2" name="Title 1"/>
+          <p:cNvSpPr>
+            <a:spLocks noGrp="1"/>
+          </p:cNvSpPr>
+          <p:nvPr>
+            <p:ph type="title"/>
+          </p:nvPr>
+        </p:nvSpPr>
+        <p:spPr/>
+        <p:txBody>
+          <a:bodyPr/>
+          <a:lstStyle/>
+          <a:p>
+            <a:r>
+              <a:rPr lang="en-US"/>
+              <a:t>Click to edit Master title style</a:t>
+            </a:r>
+            <a:endParaRPr lang="en-US"/>
+          </a:p>
+        </p:txBody>
+      </p:sp>
+      <p:sp>
+        <p:nvSpPr>
+          <p:cNvPr id="3" name="Content Placeholder 2"/>
+          <p:cNvSpPr>
+            <a:spLocks noGrp="1"/>
+          </p:cNvSpPr>
+          <p:nvPr>
+            <p:ph idx="1"/>
+          </p:nvPr>
+        </p:nvSpPr>
+        <p:spPr/>
+        <p:txBody>
+          <a:bodyPr/>
+          <a:lstStyle/>
+          <a:p>
+            <a:pPr lvl="0"/>
+            <a:r>
+              <a:rPr lang="en-US"/>
+              <a:t>Click to edit Master text styles</a:t>
+            </a:r>
+            <a:endParaRPr lang="en-US"/>
+          </a:p>
+          <a:p>
+            <a:pPr lvl="1"/>
+            <a:r>
+              <a:rPr lang="en-US"/>
+              <a:t>Second level</a:t>
+            </a:r>
+            <a:endParaRPr lang="en-US"/>
+          </a:p>
+          <a:p>
+            <a:pPr lvl="2"/>
+            <a:r>
+              <a:rPr lang="en-US"/>
+              <a:t>Third level</a:t>
+            </a:r>
+            <a:endParaRPr lang="en-US"/>
+          </a:p>
+          <a:p>
+            <a:pPr lvl="3"/>
+            <a:r>
+              <a:rPr lang="en-US"/>
+              <a:t>Fourth level</a:t>
+            </a:r>
+            <a:endParaRPr lang="en-US"/>
+          </a:p>
+          <a:p>
+            <a:pPr lvl="4"/>
+            <a:r>
+              <a:rPr lang="en-US"/>
+              <a:t>Fifth level</a:t>
+            </a:r>
+            <a:endParaRPr lang="en-US" dirty="0"/>
+          </a:p>
+        </p:txBody>
+      </p:sp>
+      <p:sp>
+        <p:nvSpPr>
+          <p:cNvPr id="4" name="Date Placeholder 3"/>
+          <p:cNvSpPr>
+            <a:spLocks noGrp="1"/>
+          </p:cNvSpPr>
+          <p:nvPr>
+            <p:ph type="dt" sz="half" idx="10"/>
+          </p:nvPr>
+        </p:nvSpPr>
+        <p:spPr/>
+        <p:txBody>
+          <a:bodyPr/>
+          <a:lstStyle/>
+          <a:p>
+            <a:fld id="{D23825CE-EA27-43C6-AB1F-080E7FF7D097}" type="datetimeFigureOut">
+              <a:rPr lang="en-US" smtClean="0"/>
+            </a:fld>
+            <a:endParaRPr lang="en-US" dirty="0"/>
+          </a:p>
+        </p:txBody>
+      </p:sp>
+      <p:sp>
+        <p:nvSpPr>
+          <p:cNvPr id="5" name="Footer Placeholder 4"/>
+          <p:cNvSpPr>
+            <a:spLocks noGrp="1"/>
+          </p:cNvSpPr>
+          <p:nvPr>
+            <p:ph type="ftr" sz="quarter" idx="11"/>
+          </p:nvPr>
+        </p:nvSpPr>
+        <p:spPr/>
+        <p:txBody>
+          <a:bodyPr/>
+          <a:lstStyle/>
+          <a:p>
+            <a:endParaRPr lang="en-US" dirty="0"/>
+          </a:p>
+        </p:txBody>
+      </p:sp>
+      <p:sp>
+        <p:nvSpPr>
+          <p:cNvPr id="6" name="Slide Number Placeholder 5"/>
+          <p:cNvSpPr>
+            <a:spLocks noGrp="1"/>
+          </p:cNvSpPr>
+          <p:nvPr>
+            <p:ph type="sldNum" sz="quarter" idx="12"/>
+          </p:nvPr>
+        </p:nvSpPr>
+        <p:spPr/>
+        <p:txBody>
+          <a:bodyPr/>
+          <a:lstStyle/>
+          <a:p>
+            <a:fld id="{49C557A5-E416-4952-AD0C-7AF552945DF5}" type="slidenum">
+              <a:rPr lang="en-US" smtClean="0"/>
+            </a:fld>
+            <a:endParaRPr lang="en-US" dirty="0"/>
+          </a:p>
+        </p:txBody>
+      </p:sp>
+    </p:spTree>
+  </p:cSld>
+  <p:clrMapOvr>
+    <a:masterClrMapping/>
+  </p:clrMapOvr>
+</p:sldLayout>
+</file>
+
+<file path=ppt/slideLayouts/slideLayout15.xml><?xml version="1.0" encoding="utf-8"?>
+<p:sldLayout xmlns:a="http://schemas.openxmlformats.org/drawingml/2006/main" xmlns:r="http://schemas.openxmlformats.org/officeDocument/2006/relationships" xmlns:p="http://schemas.openxmlformats.org/presentationml/2006/main" type="twoObj" preserve="1">
+  <p:cSld name="Two Content">
+    <p:spTree>
+      <p:nvGrpSpPr>
+        <p:cNvPr id="1" name=""/>
+        <p:cNvGrpSpPr/>
+        <p:nvPr/>
+      </p:nvGrpSpPr>
+      <p:grpSpPr>
+        <a:xfrm>
+          <a:off x="0" y="0"/>
+          <a:ext cx="0" cy="0"/>
+          <a:chOff x="0" y="0"/>
+          <a:chExt cx="0" cy="0"/>
+        </a:xfrm>
+      </p:grpSpPr>
+      <p:sp>
+        <p:nvSpPr>
+          <p:cNvPr id="2" name="Title 1"/>
+          <p:cNvSpPr>
+            <a:spLocks noGrp="1"/>
+          </p:cNvSpPr>
+          <p:nvPr>
+            <p:ph type="title"/>
+          </p:nvPr>
+        </p:nvSpPr>
+        <p:spPr/>
+        <p:txBody>
+          <a:bodyPr/>
+          <a:lstStyle/>
+          <a:p>
+            <a:r>
+              <a:rPr lang="en-US"/>
+              <a:t>Click to edit Master title style</a:t>
+            </a:r>
+            <a:endParaRPr lang="en-US"/>
+          </a:p>
+        </p:txBody>
+      </p:sp>
+      <p:sp>
+        <p:nvSpPr>
+          <p:cNvPr id="3" name="Content Placeholder 2"/>
+          <p:cNvSpPr>
+            <a:spLocks noGrp="1"/>
+          </p:cNvSpPr>
+          <p:nvPr>
+            <p:ph sz="half" idx="1"/>
+          </p:nvPr>
+        </p:nvSpPr>
+        <p:spPr>
+          <a:xfrm>
+            <a:off x="838200" y="1992573"/>
+            <a:ext cx="5181600" cy="4184390"/>
+          </a:xfrm>
+        </p:spPr>
+        <p:txBody>
+          <a:bodyPr/>
+          <a:lstStyle/>
+          <a:p>
+            <a:pPr lvl="0"/>
+            <a:r>
+              <a:rPr lang="en-US"/>
+              <a:t>Click to edit Master text styles</a:t>
+            </a:r>
+            <a:endParaRPr lang="en-US"/>
+          </a:p>
+          <a:p>
+            <a:pPr lvl="1"/>
+            <a:r>
+              <a:rPr lang="en-US"/>
+              <a:t>Second level</a:t>
+            </a:r>
+            <a:endParaRPr lang="en-US"/>
+          </a:p>
+          <a:p>
+            <a:pPr lvl="2"/>
+            <a:r>
+              <a:rPr lang="en-US"/>
+              <a:t>Third level</a:t>
+            </a:r>
+            <a:endParaRPr lang="en-US"/>
+          </a:p>
+          <a:p>
+            <a:pPr lvl="3"/>
+            <a:r>
+              <a:rPr lang="en-US"/>
+              <a:t>Fourth level</a:t>
+            </a:r>
+            <a:endParaRPr lang="en-US"/>
+          </a:p>
+          <a:p>
+            <a:pPr lvl="4"/>
+            <a:r>
+              <a:rPr lang="en-US"/>
+              <a:t>Fifth level</a:t>
+            </a:r>
+            <a:endParaRPr lang="en-US" dirty="0"/>
+          </a:p>
+        </p:txBody>
+      </p:sp>
+      <p:sp>
+        <p:nvSpPr>
+          <p:cNvPr id="4" name="Content Placeholder 3"/>
+          <p:cNvSpPr>
+            <a:spLocks noGrp="1"/>
+          </p:cNvSpPr>
+          <p:nvPr>
+            <p:ph sz="half" idx="2"/>
+          </p:nvPr>
+        </p:nvSpPr>
+        <p:spPr>
+          <a:xfrm>
+            <a:off x="6172200" y="1992573"/>
+            <a:ext cx="5181600" cy="4184390"/>
+          </a:xfrm>
+        </p:spPr>
+        <p:txBody>
+          <a:bodyPr/>
+          <a:lstStyle/>
+          <a:p>
+            <a:pPr lvl="0"/>
+            <a:r>
+              <a:rPr lang="en-US"/>
+              <a:t>Click to edit Master text styles</a:t>
+            </a:r>
+            <a:endParaRPr lang="en-US"/>
+          </a:p>
+          <a:p>
+            <a:pPr lvl="1"/>
+            <a:r>
+              <a:rPr lang="en-US"/>
+              <a:t>Second level</a:t>
+            </a:r>
+            <a:endParaRPr lang="en-US"/>
+          </a:p>
+          <a:p>
+            <a:pPr lvl="2"/>
+            <a:r>
+              <a:rPr lang="en-US"/>
+              <a:t>Third level</a:t>
+            </a:r>
+            <a:endParaRPr lang="en-US"/>
+          </a:p>
+          <a:p>
+            <a:pPr lvl="3"/>
+            <a:r>
+              <a:rPr lang="en-US"/>
+              <a:t>Fourth level</a:t>
+            </a:r>
+            <a:endParaRPr lang="en-US"/>
+          </a:p>
+          <a:p>
+            <a:pPr lvl="4"/>
+            <a:r>
+              <a:rPr lang="en-US"/>
+              <a:t>Fifth level</a:t>
+            </a:r>
+            <a:endParaRPr lang="en-US"/>
+          </a:p>
+        </p:txBody>
+      </p:sp>
+      <p:sp>
+        <p:nvSpPr>
+          <p:cNvPr id="5" name="Date Placeholder 4"/>
+          <p:cNvSpPr>
+            <a:spLocks noGrp="1"/>
+          </p:cNvSpPr>
+          <p:nvPr>
+            <p:ph type="dt" sz="half" idx="10"/>
+          </p:nvPr>
+        </p:nvSpPr>
+        <p:spPr/>
+        <p:txBody>
+          <a:bodyPr/>
+          <a:lstStyle/>
+          <a:p>
+            <a:fld id="{D23825CE-EA27-43C6-AB1F-080E7FF7D097}" type="datetimeFigureOut">
+              <a:rPr lang="en-US" smtClean="0"/>
+            </a:fld>
+            <a:endParaRPr lang="en-US" dirty="0"/>
+          </a:p>
+        </p:txBody>
+      </p:sp>
+      <p:sp>
+        <p:nvSpPr>
+          <p:cNvPr id="6" name="Footer Placeholder 5"/>
+          <p:cNvSpPr>
+            <a:spLocks noGrp="1"/>
+          </p:cNvSpPr>
+          <p:nvPr>
+            <p:ph type="ftr" sz="quarter" idx="11"/>
+          </p:nvPr>
+        </p:nvSpPr>
+        <p:spPr/>
+        <p:txBody>
+          <a:bodyPr/>
+          <a:lstStyle/>
+          <a:p>
+            <a:endParaRPr lang="en-US" dirty="0"/>
+          </a:p>
+        </p:txBody>
+      </p:sp>
+      <p:sp>
+        <p:nvSpPr>
+          <p:cNvPr id="7" name="Slide Number Placeholder 6"/>
+          <p:cNvSpPr>
+            <a:spLocks noGrp="1"/>
+          </p:cNvSpPr>
+          <p:nvPr>
+            <p:ph type="sldNum" sz="quarter" idx="12"/>
+          </p:nvPr>
+        </p:nvSpPr>
+        <p:spPr/>
+        <p:txBody>
+          <a:bodyPr/>
+          <a:lstStyle/>
+          <a:p>
+            <a:fld id="{49C557A5-E416-4952-AD0C-7AF552945DF5}" type="slidenum">
+              <a:rPr lang="en-US" smtClean="0"/>
+            </a:fld>
+            <a:endParaRPr lang="en-US" dirty="0"/>
+          </a:p>
+        </p:txBody>
+      </p:sp>
+    </p:spTree>
+  </p:cSld>
+  <p:clrMapOvr>
+    <a:masterClrMapping/>
+  </p:clrMapOvr>
+</p:sldLayout>
+</file>
+
+<file path=ppt/slideLayouts/slideLayout16.xml><?xml version="1.0" encoding="utf-8"?>
+<p:sldLayout xmlns:a="http://schemas.openxmlformats.org/drawingml/2006/main" xmlns:r="http://schemas.openxmlformats.org/officeDocument/2006/relationships" xmlns:p="http://schemas.openxmlformats.org/presentationml/2006/main" type="twoTxTwoObj" preserve="1">
+  <p:cSld name="Comparison">
+    <p:spTree>
+      <p:nvGrpSpPr>
+        <p:cNvPr id="1" name=""/>
+        <p:cNvGrpSpPr/>
+        <p:nvPr/>
+      </p:nvGrpSpPr>
+      <p:grpSpPr>
+        <a:xfrm>
+          <a:off x="0" y="0"/>
+          <a:ext cx="0" cy="0"/>
+          <a:chOff x="0" y="0"/>
+          <a:chExt cx="0" cy="0"/>
+        </a:xfrm>
+      </p:grpSpPr>
+      <p:sp>
+        <p:nvSpPr>
+          <p:cNvPr id="2" name="Title 1"/>
+          <p:cNvSpPr>
+            <a:spLocks noGrp="1"/>
+          </p:cNvSpPr>
+          <p:nvPr>
+            <p:ph type="title"/>
+          </p:nvPr>
+        </p:nvSpPr>
+        <p:spPr>
+          <a:xfrm>
+            <a:off x="839788" y="832515"/>
+            <a:ext cx="10515600" cy="1124309"/>
+          </a:xfrm>
+        </p:spPr>
+        <p:txBody>
+          <a:bodyPr/>
+          <a:lstStyle/>
+          <a:p>
+            <a:r>
+              <a:rPr lang="en-US"/>
+              <a:t>Click to edit Master title style</a:t>
+            </a:r>
+            <a:endParaRPr lang="en-US"/>
+          </a:p>
+        </p:txBody>
+      </p:sp>
+      <p:sp>
+        <p:nvSpPr>
+          <p:cNvPr id="3" name="Text Placeholder 2"/>
+          <p:cNvSpPr>
+            <a:spLocks noGrp="1"/>
+          </p:cNvSpPr>
+          <p:nvPr>
+            <p:ph type="body" idx="1"/>
+          </p:nvPr>
+        </p:nvSpPr>
+        <p:spPr>
+          <a:xfrm>
+            <a:off x="839788" y="1972101"/>
+            <a:ext cx="5157787" cy="724045"/>
+          </a:xfrm>
+        </p:spPr>
+        <p:txBody>
+          <a:bodyPr anchor="b"/>
+          <a:lstStyle>
+            <a:lvl1pPr marL="0" indent="0">
+              <a:buNone/>
+              <a:defRPr sz="2400" b="1"/>
+            </a:lvl1pPr>
+            <a:lvl2pPr marL="457200" indent="0">
+              <a:buNone/>
+              <a:defRPr sz="2000" b="1"/>
+            </a:lvl2pPr>
+            <a:lvl3pPr marL="914400" indent="0">
+              <a:buNone/>
+              <a:defRPr sz="1800" b="1"/>
+            </a:lvl3pPr>
+            <a:lvl4pPr marL="1371600" indent="0">
+              <a:buNone/>
+              <a:defRPr sz="1600" b="1"/>
+            </a:lvl4pPr>
+            <a:lvl5pPr marL="1828800" indent="0">
+              <a:buNone/>
+              <a:defRPr sz="1600" b="1"/>
+            </a:lvl5pPr>
+            <a:lvl6pPr marL="2286000" indent="0">
+              <a:buNone/>
+              <a:defRPr sz="1600" b="1"/>
+            </a:lvl6pPr>
+            <a:lvl7pPr marL="2743200" indent="0">
+              <a:buNone/>
+              <a:defRPr sz="1600" b="1"/>
+            </a:lvl7pPr>
+            <a:lvl8pPr marL="3200400" indent="0">
+              <a:buNone/>
+              <a:defRPr sz="1600" b="1"/>
+            </a:lvl8pPr>
+            <a:lvl9pPr marL="3657600" indent="0">
+              <a:buNone/>
+              <a:defRPr sz="1600" b="1"/>
+            </a:lvl9pPr>
+          </a:lstStyle>
+          <a:p>
+            <a:pPr lvl="0"/>
+            <a:r>
+              <a:rPr lang="en-US"/>
+              <a:t>Click to edit Master text styles</a:t>
+            </a:r>
+            <a:endParaRPr lang="en-US"/>
+          </a:p>
+        </p:txBody>
+      </p:sp>
+      <p:sp>
+        <p:nvSpPr>
+          <p:cNvPr id="4" name="Content Placeholder 3"/>
+          <p:cNvSpPr>
+            <a:spLocks noGrp="1"/>
+          </p:cNvSpPr>
+          <p:nvPr>
+            <p:ph sz="half" idx="2"/>
+          </p:nvPr>
+        </p:nvSpPr>
+        <p:spPr>
+          <a:xfrm>
+            <a:off x="839788" y="2722727"/>
+            <a:ext cx="5157787" cy="3466935"/>
+          </a:xfrm>
+        </p:spPr>
+        <p:txBody>
+          <a:bodyPr/>
+          <a:lstStyle/>
+          <a:p>
+            <a:pPr lvl="0"/>
+            <a:r>
+              <a:rPr lang="en-US"/>
+              <a:t>Click to edit Master text styles</a:t>
+            </a:r>
+            <a:endParaRPr lang="en-US"/>
+          </a:p>
+          <a:p>
+            <a:pPr lvl="1"/>
+            <a:r>
+              <a:rPr lang="en-US"/>
+              <a:t>Second level</a:t>
+            </a:r>
+            <a:endParaRPr lang="en-US"/>
+          </a:p>
+          <a:p>
+            <a:pPr lvl="2"/>
+            <a:r>
+              <a:rPr lang="en-US"/>
+              <a:t>Third level</a:t>
+            </a:r>
+            <a:endParaRPr lang="en-US"/>
+          </a:p>
+          <a:p>
+            <a:pPr lvl="3"/>
+            <a:r>
+              <a:rPr lang="en-US"/>
+              <a:t>Fourth level</a:t>
+            </a:r>
+            <a:endParaRPr lang="en-US"/>
+          </a:p>
+          <a:p>
+            <a:pPr lvl="4"/>
+            <a:r>
+              <a:rPr lang="en-US"/>
+              <a:t>Fifth level</a:t>
+            </a:r>
+            <a:endParaRPr lang="en-US"/>
+          </a:p>
+        </p:txBody>
+      </p:sp>
+      <p:sp>
+        <p:nvSpPr>
+          <p:cNvPr id="5" name="Text Placeholder 4"/>
+          <p:cNvSpPr>
+            <a:spLocks noGrp="1"/>
+          </p:cNvSpPr>
+          <p:nvPr>
+            <p:ph type="body" sz="quarter" idx="3"/>
+          </p:nvPr>
+        </p:nvSpPr>
+        <p:spPr>
+          <a:xfrm>
+            <a:off x="6172200" y="1972101"/>
+            <a:ext cx="5183188" cy="724045"/>
+          </a:xfrm>
+        </p:spPr>
+        <p:txBody>
+          <a:bodyPr anchor="b"/>
+          <a:lstStyle>
+            <a:lvl1pPr marL="0" indent="0">
+              <a:buNone/>
+              <a:defRPr sz="2400" b="1"/>
+            </a:lvl1pPr>
+            <a:lvl2pPr marL="457200" indent="0">
+              <a:buNone/>
+              <a:defRPr sz="2000" b="1"/>
+            </a:lvl2pPr>
+            <a:lvl3pPr marL="914400" indent="0">
+              <a:buNone/>
+              <a:defRPr sz="1800" b="1"/>
+            </a:lvl3pPr>
+            <a:lvl4pPr marL="1371600" indent="0">
+              <a:buNone/>
+              <a:defRPr sz="1600" b="1"/>
+            </a:lvl4pPr>
+            <a:lvl5pPr marL="1828800" indent="0">
+              <a:buNone/>
+              <a:defRPr sz="1600" b="1"/>
+            </a:lvl5pPr>
+            <a:lvl6pPr marL="2286000" indent="0">
+              <a:buNone/>
+              <a:defRPr sz="1600" b="1"/>
+            </a:lvl6pPr>
+            <a:lvl7pPr marL="2743200" indent="0">
+              <a:buNone/>
+              <a:defRPr sz="1600" b="1"/>
+            </a:lvl7pPr>
+            <a:lvl8pPr marL="3200400" indent="0">
+              <a:buNone/>
+              <a:defRPr sz="1600" b="1"/>
+            </a:lvl8pPr>
+            <a:lvl9pPr marL="3657600" indent="0">
+              <a:buNone/>
+              <a:defRPr sz="1600" b="1"/>
+            </a:lvl9pPr>
+          </a:lstStyle>
+          <a:p>
+            <a:pPr lvl="0"/>
+            <a:r>
+              <a:rPr lang="en-US"/>
+              <a:t>Click to edit Master text styles</a:t>
+            </a:r>
+            <a:endParaRPr lang="en-US"/>
+          </a:p>
+        </p:txBody>
+      </p:sp>
+      <p:sp>
+        <p:nvSpPr>
+          <p:cNvPr id="6" name="Content Placeholder 5"/>
+          <p:cNvSpPr>
+            <a:spLocks noGrp="1"/>
+          </p:cNvSpPr>
+          <p:nvPr>
+            <p:ph sz="quarter" idx="4"/>
+          </p:nvPr>
+        </p:nvSpPr>
+        <p:spPr>
+          <a:xfrm>
+            <a:off x="6172200" y="2722727"/>
+            <a:ext cx="5183188" cy="3466935"/>
+          </a:xfrm>
+        </p:spPr>
+        <p:txBody>
+          <a:bodyPr/>
+          <a:lstStyle/>
+          <a:p>
+            <a:pPr lvl="0"/>
+            <a:r>
+              <a:rPr lang="en-US"/>
+              <a:t>Click to edit Master text styles</a:t>
+            </a:r>
+            <a:endParaRPr lang="en-US"/>
+          </a:p>
+          <a:p>
+            <a:pPr lvl="1"/>
+            <a:r>
+              <a:rPr lang="en-US"/>
+              <a:t>Second level</a:t>
+            </a:r>
+            <a:endParaRPr lang="en-US"/>
+          </a:p>
+          <a:p>
+            <a:pPr lvl="2"/>
+            <a:r>
+              <a:rPr lang="en-US"/>
+              <a:t>Third level</a:t>
+            </a:r>
+            <a:endParaRPr lang="en-US"/>
+          </a:p>
+          <a:p>
+            <a:pPr lvl="3"/>
+            <a:r>
+              <a:rPr lang="en-US"/>
+              <a:t>Fourth level</a:t>
+            </a:r>
+            <a:endParaRPr lang="en-US"/>
+          </a:p>
+          <a:p>
+            <a:pPr lvl="4"/>
+            <a:r>
+              <a:rPr lang="en-US"/>
+              <a:t>Fifth level</a:t>
+            </a:r>
+            <a:endParaRPr lang="en-US"/>
+          </a:p>
+        </p:txBody>
+      </p:sp>
+      <p:sp>
+        <p:nvSpPr>
+          <p:cNvPr id="7" name="Date Placeholder 6"/>
+          <p:cNvSpPr>
+            <a:spLocks noGrp="1"/>
+          </p:cNvSpPr>
+          <p:nvPr>
+            <p:ph type="dt" sz="half" idx="10"/>
+          </p:nvPr>
+        </p:nvSpPr>
+        <p:spPr/>
+        <p:txBody>
+          <a:bodyPr/>
+          <a:lstStyle/>
+          <a:p>
+            <a:fld id="{D23825CE-EA27-43C6-AB1F-080E7FF7D097}" type="datetimeFigureOut">
+              <a:rPr lang="en-US" smtClean="0"/>
+            </a:fld>
+            <a:endParaRPr lang="en-US" dirty="0"/>
+          </a:p>
+        </p:txBody>
+      </p:sp>
+      <p:sp>
+        <p:nvSpPr>
+          <p:cNvPr id="8" name="Footer Placeholder 7"/>
+          <p:cNvSpPr>
+            <a:spLocks noGrp="1"/>
+          </p:cNvSpPr>
+          <p:nvPr>
+            <p:ph type="ftr" sz="quarter" idx="11"/>
+          </p:nvPr>
+        </p:nvSpPr>
+        <p:spPr/>
+        <p:txBody>
+          <a:bodyPr/>
+          <a:lstStyle/>
+          <a:p>
+            <a:endParaRPr lang="en-US" dirty="0"/>
+          </a:p>
+        </p:txBody>
+      </p:sp>
+      <p:sp>
+        <p:nvSpPr>
+          <p:cNvPr id="9" name="Slide Number Placeholder 8"/>
+          <p:cNvSpPr>
+            <a:spLocks noGrp="1"/>
+          </p:cNvSpPr>
+          <p:nvPr>
+            <p:ph type="sldNum" sz="quarter" idx="12"/>
+          </p:nvPr>
+        </p:nvSpPr>
+        <p:spPr/>
+        <p:txBody>
+          <a:bodyPr/>
+          <a:lstStyle/>
+          <a:p>
+            <a:fld id="{49C557A5-E416-4952-AD0C-7AF552945DF5}" type="slidenum">
+              <a:rPr lang="en-US" smtClean="0"/>
+            </a:fld>
+            <a:endParaRPr lang="en-US" dirty="0"/>
+          </a:p>
+        </p:txBody>
+      </p:sp>
+    </p:spTree>
+  </p:cSld>
+  <p:clrMapOvr>
+    <a:masterClrMapping/>
+  </p:clrMapOvr>
+</p:sldLayout>
+</file>
+
+<file path=ppt/slideLayouts/slideLayout17.xml><?xml version="1.0" encoding="utf-8"?>
+<p:sldLayout xmlns:a="http://schemas.openxmlformats.org/drawingml/2006/main" xmlns:r="http://schemas.openxmlformats.org/officeDocument/2006/relationships" xmlns:p="http://schemas.openxmlformats.org/presentationml/2006/main" type="titleOnly" preserve="1">
+  <p:cSld name="Title Only">
+    <p:spTree>
+      <p:nvGrpSpPr>
+        <p:cNvPr id="1" name=""/>
+        <p:cNvGrpSpPr/>
+        <p:nvPr/>
+      </p:nvGrpSpPr>
+      <p:grpSpPr>
+        <a:xfrm>
+          <a:off x="0" y="0"/>
+          <a:ext cx="0" cy="0"/>
+          <a:chOff x="0" y="0"/>
+          <a:chExt cx="0" cy="0"/>
+        </a:xfrm>
+      </p:grpSpPr>
+      <p:sp>
+        <p:nvSpPr>
+          <p:cNvPr id="2" name="Title 1"/>
+          <p:cNvSpPr>
+            <a:spLocks noGrp="1"/>
+          </p:cNvSpPr>
+          <p:nvPr>
+            <p:ph type="title"/>
+          </p:nvPr>
+        </p:nvSpPr>
+        <p:spPr/>
+        <p:txBody>
+          <a:bodyPr/>
+          <a:lstStyle/>
+          <a:p>
+            <a:r>
+              <a:rPr lang="en-US"/>
+              <a:t>Click to edit Master title style</a:t>
+            </a:r>
+            <a:endParaRPr lang="en-US"/>
+          </a:p>
+        </p:txBody>
+      </p:sp>
+      <p:sp>
+        <p:nvSpPr>
+          <p:cNvPr id="3" name="Date Placeholder 2"/>
+          <p:cNvSpPr>
+            <a:spLocks noGrp="1"/>
+          </p:cNvSpPr>
+          <p:nvPr>
+            <p:ph type="dt" sz="half" idx="10"/>
+          </p:nvPr>
+        </p:nvSpPr>
+        <p:spPr/>
+        <p:txBody>
+          <a:bodyPr/>
+          <a:lstStyle/>
+          <a:p>
+            <a:fld id="{D23825CE-EA27-43C6-AB1F-080E7FF7D097}" type="datetimeFigureOut">
+              <a:rPr lang="en-US" smtClean="0"/>
+            </a:fld>
+            <a:endParaRPr lang="en-US" dirty="0"/>
+          </a:p>
+        </p:txBody>
+      </p:sp>
+      <p:sp>
+        <p:nvSpPr>
+          <p:cNvPr id="4" name="Footer Placeholder 3"/>
+          <p:cNvSpPr>
+            <a:spLocks noGrp="1"/>
+          </p:cNvSpPr>
+          <p:nvPr>
+            <p:ph type="ftr" sz="quarter" idx="11"/>
+          </p:nvPr>
+        </p:nvSpPr>
+        <p:spPr/>
+        <p:txBody>
+          <a:bodyPr/>
+          <a:lstStyle/>
+          <a:p>
+            <a:endParaRPr lang="en-US" dirty="0"/>
+          </a:p>
+        </p:txBody>
+      </p:sp>
+      <p:sp>
+        <p:nvSpPr>
+          <p:cNvPr id="5" name="Slide Number Placeholder 4"/>
+          <p:cNvSpPr>
+            <a:spLocks noGrp="1"/>
+          </p:cNvSpPr>
+          <p:nvPr>
+            <p:ph type="sldNum" sz="quarter" idx="12"/>
+          </p:nvPr>
+        </p:nvSpPr>
+        <p:spPr/>
+        <p:txBody>
+          <a:bodyPr/>
+          <a:lstStyle/>
+          <a:p>
+            <a:fld id="{49C557A5-E416-4952-AD0C-7AF552945DF5}" type="slidenum">
+              <a:rPr lang="en-US" smtClean="0"/>
+            </a:fld>
+            <a:endParaRPr lang="en-US" dirty="0"/>
+          </a:p>
+        </p:txBody>
+      </p:sp>
+    </p:spTree>
+  </p:cSld>
+  <p:clrMapOvr>
+    <a:masterClrMapping/>
+  </p:clrMapOvr>
+</p:sldLayout>
+</file>
+
+<file path=ppt/slideLayouts/slideLayout18.xml><?xml version="1.0" encoding="utf-8"?>
+<p:sldLayout xmlns:a="http://schemas.openxmlformats.org/drawingml/2006/main" xmlns:r="http://schemas.openxmlformats.org/officeDocument/2006/relationships" xmlns:p="http://schemas.openxmlformats.org/presentationml/2006/main" type="blank" preserve="1">
+  <p:cSld name="Blank">
+    <p:spTree>
+      <p:nvGrpSpPr>
+        <p:cNvPr id="1" name=""/>
+        <p:cNvGrpSpPr/>
+        <p:nvPr/>
+      </p:nvGrpSpPr>
+      <p:grpSpPr>
+        <a:xfrm>
+          <a:off x="0" y="0"/>
+          <a:ext cx="0" cy="0"/>
+          <a:chOff x="0" y="0"/>
+          <a:chExt cx="0" cy="0"/>
+        </a:xfrm>
+      </p:grpSpPr>
+      <p:sp>
+        <p:nvSpPr>
+          <p:cNvPr id="5" name="Rectangle 4"/>
+          <p:cNvSpPr/>
+          <p:nvPr userDrawn="1"/>
+        </p:nvSpPr>
+        <p:spPr>
+          <a:xfrm>
+            <a:off x="0" y="0"/>
+            <a:ext cx="12192000" cy="6858000"/>
+          </a:xfrm>
+          <a:prstGeom prst="rect">
+            <a:avLst/>
+          </a:prstGeom>
+          <a:gradFill>
+            <a:gsLst>
+              <a:gs pos="60000">
+                <a:schemeClr val="bg1"/>
+              </a:gs>
+              <a:gs pos="37000">
+                <a:srgbClr val="F5F5F5"/>
+              </a:gs>
+              <a:gs pos="0">
+                <a:srgbClr val="B2B2B2"/>
+              </a:gs>
+              <a:gs pos="100000">
+                <a:srgbClr val="D4D4D4">
+                  <a:lumMod val="96000"/>
+                </a:srgbClr>
+              </a:gs>
+            </a:gsLst>
+            <a:lin ang="14700000" scaled="0"/>
+          </a:gradFill>
+        </p:spPr>
+        <p:style>
+          <a:lnRef idx="2">
+            <a:schemeClr val="accent1">
+              <a:shade val="50000"/>
+            </a:schemeClr>
+          </a:lnRef>
+          <a:fillRef idx="1">
+            <a:schemeClr val="accent1"/>
+          </a:fillRef>
+          <a:effectRef idx="0">
+            <a:schemeClr val="accent1"/>
+          </a:effectRef>
+          <a:fontRef idx="minor">
+            <a:schemeClr val="lt1"/>
+          </a:fontRef>
+        </p:style>
+        <p:txBody>
+          <a:bodyPr rtlCol="0" anchor="ctr"/>
+          <a:lstStyle/>
+          <a:p>
+            <a:pPr algn="ctr"/>
+            <a:endParaRPr lang="en-US" dirty="0"/>
+          </a:p>
+        </p:txBody>
+      </p:sp>
+      <p:sp>
+        <p:nvSpPr>
+          <p:cNvPr id="2" name="Date Placeholder 1"/>
+          <p:cNvSpPr>
+            <a:spLocks noGrp="1"/>
+          </p:cNvSpPr>
+          <p:nvPr>
+            <p:ph type="dt" sz="half" idx="10"/>
+          </p:nvPr>
+        </p:nvSpPr>
+        <p:spPr/>
+        <p:txBody>
+          <a:bodyPr/>
+          <a:lstStyle/>
+          <a:p>
+            <a:fld id="{D23825CE-EA27-43C6-AB1F-080E7FF7D097}" type="datetimeFigureOut">
+              <a:rPr lang="en-US" smtClean="0"/>
+            </a:fld>
+            <a:endParaRPr lang="en-US" dirty="0"/>
+          </a:p>
+        </p:txBody>
+      </p:sp>
+      <p:sp>
+        <p:nvSpPr>
+          <p:cNvPr id="3" name="Footer Placeholder 2"/>
+          <p:cNvSpPr>
+            <a:spLocks noGrp="1"/>
+          </p:cNvSpPr>
+          <p:nvPr>
+            <p:ph type="ftr" sz="quarter" idx="11"/>
+          </p:nvPr>
+        </p:nvSpPr>
+        <p:spPr/>
+        <p:txBody>
+          <a:bodyPr/>
+          <a:lstStyle/>
+          <a:p>
+            <a:endParaRPr lang="en-US" dirty="0"/>
+          </a:p>
+        </p:txBody>
+      </p:sp>
+      <p:sp>
+        <p:nvSpPr>
+          <p:cNvPr id="4" name="Slide Number Placeholder 3"/>
+          <p:cNvSpPr>
+            <a:spLocks noGrp="1"/>
+          </p:cNvSpPr>
+          <p:nvPr>
+            <p:ph type="sldNum" sz="quarter" idx="12"/>
+          </p:nvPr>
+        </p:nvSpPr>
+        <p:spPr/>
+        <p:txBody>
+          <a:bodyPr/>
+          <a:lstStyle/>
+          <a:p>
+            <a:fld id="{49C557A5-E416-4952-AD0C-7AF552945DF5}" type="slidenum">
+              <a:rPr lang="en-US" smtClean="0"/>
+            </a:fld>
+            <a:endParaRPr lang="en-US" dirty="0"/>
+          </a:p>
+        </p:txBody>
+      </p:sp>
+      <p:pic>
+        <p:nvPicPr>
+          <p:cNvPr id="6" name="Graphic 5"/>
+          <p:cNvPicPr>
+            <a:picLocks noChangeAspect="1"/>
+          </p:cNvPicPr>
+          <p:nvPr userDrawn="1"/>
+        </p:nvPicPr>
+        <p:blipFill>
+          <a:blip r:embed="rId2">
+            <a:extLst>
+              <a:ext uri="{28A0092B-C50C-407E-A947-70E740481C1C}">
+                <a14:useLocalDpi xmlns:a14="http://schemas.microsoft.com/office/drawing/2010/main" val="0"/>
+              </a:ext>
+              <a:ext uri="{96DAC541-7B7A-43D3-8B79-37D633B846F1}">
+                <asvg:svgBlip xmlns:asvg="http://schemas.microsoft.com/office/drawing/2016/SVG/main" r:embed="rId3"/>
+              </a:ext>
+            </a:extLst>
+          </a:blip>
+          <a:stretch>
+            <a:fillRect/>
+          </a:stretch>
+        </p:blipFill>
+        <p:spPr>
+          <a:xfrm>
+            <a:off x="10078872" y="4702400"/>
+            <a:ext cx="2031312" cy="2031312"/>
+          </a:xfrm>
+          <a:prstGeom prst="rect">
+            <a:avLst/>
+          </a:prstGeom>
+        </p:spPr>
+      </p:pic>
+      <p:pic>
+        <p:nvPicPr>
+          <p:cNvPr id="7" name="Graphic 6"/>
+          <p:cNvPicPr>
+            <a:picLocks noChangeAspect="1"/>
+          </p:cNvPicPr>
+          <p:nvPr userDrawn="1"/>
+        </p:nvPicPr>
+        <p:blipFill>
+          <a:blip r:embed="rId4">
+            <a:extLst>
+              <a:ext uri="{28A0092B-C50C-407E-A947-70E740481C1C}">
+                <a14:useLocalDpi xmlns:a14="http://schemas.microsoft.com/office/drawing/2010/main" val="0"/>
+              </a:ext>
+              <a:ext uri="{96DAC541-7B7A-43D3-8B79-37D633B846F1}">
+                <asvg:svgBlip xmlns:asvg="http://schemas.microsoft.com/office/drawing/2016/SVG/main" r:embed="rId5"/>
+              </a:ext>
+            </a:extLst>
+          </a:blip>
+          <a:stretch>
+            <a:fillRect/>
+          </a:stretch>
+        </p:blipFill>
+        <p:spPr>
+          <a:xfrm>
+            <a:off x="188510" y="132658"/>
+            <a:ext cx="6625920" cy="522240"/>
+          </a:xfrm>
+          <a:prstGeom prst="rect">
+            <a:avLst/>
+          </a:prstGeom>
+        </p:spPr>
+      </p:pic>
+    </p:spTree>
+  </p:cSld>
+  <p:clrMapOvr>
+    <a:masterClrMapping/>
+  </p:clrMapOvr>
+</p:sldLayout>
+</file>
+
+<file path=ppt/slideLayouts/slideLayout19.xml><?xml version="1.0" encoding="utf-8"?>
+<p:sldLayout xmlns:a="http://schemas.openxmlformats.org/drawingml/2006/main" xmlns:r="http://schemas.openxmlformats.org/officeDocument/2006/relationships" xmlns:p="http://schemas.openxmlformats.org/presentationml/2006/main" type="objTx" preserve="1">
+  <p:cSld name="Content with Caption">
+    <p:spTree>
+      <p:nvGrpSpPr>
+        <p:cNvPr id="1" name=""/>
+        <p:cNvGrpSpPr/>
+        <p:nvPr/>
+      </p:nvGrpSpPr>
+      <p:grpSpPr>
+        <a:xfrm>
+          <a:off x="0" y="0"/>
+          <a:ext cx="0" cy="0"/>
+          <a:chOff x="0" y="0"/>
+          <a:chExt cx="0" cy="0"/>
+        </a:xfrm>
+      </p:grpSpPr>
+      <p:sp>
+        <p:nvSpPr>
+          <p:cNvPr id="8" name="Rectangle 7"/>
+          <p:cNvSpPr/>
+          <p:nvPr userDrawn="1"/>
+        </p:nvSpPr>
+        <p:spPr>
+          <a:xfrm>
+            <a:off x="0" y="0"/>
+            <a:ext cx="12192000" cy="6858000"/>
+          </a:xfrm>
+          <a:prstGeom prst="rect">
+            <a:avLst/>
+          </a:prstGeom>
+          <a:gradFill>
+            <a:gsLst>
+              <a:gs pos="60000">
+                <a:schemeClr val="bg1"/>
+              </a:gs>
+              <a:gs pos="37000">
+                <a:srgbClr val="F5F5F5"/>
+              </a:gs>
+              <a:gs pos="0">
+                <a:srgbClr val="B2B2B2"/>
+              </a:gs>
+              <a:gs pos="100000">
+                <a:srgbClr val="D4D4D4">
+                  <a:lumMod val="96000"/>
+                </a:srgbClr>
+              </a:gs>
+            </a:gsLst>
+            <a:lin ang="14700000" scaled="0"/>
+          </a:gradFill>
+        </p:spPr>
+        <p:style>
+          <a:lnRef idx="2">
+            <a:schemeClr val="accent1">
+              <a:shade val="50000"/>
+            </a:schemeClr>
+          </a:lnRef>
+          <a:fillRef idx="1">
+            <a:schemeClr val="accent1"/>
+          </a:fillRef>
+          <a:effectRef idx="0">
+            <a:schemeClr val="accent1"/>
+          </a:effectRef>
+          <a:fontRef idx="minor">
+            <a:schemeClr val="lt1"/>
+          </a:fontRef>
+        </p:style>
+        <p:txBody>
+          <a:bodyPr rtlCol="0" anchor="ctr"/>
+          <a:lstStyle/>
+          <a:p>
+            <a:pPr algn="ctr"/>
+            <a:endParaRPr lang="en-US" dirty="0"/>
+          </a:p>
+        </p:txBody>
+      </p:sp>
+      <p:sp>
+        <p:nvSpPr>
+          <p:cNvPr id="11" name="Rectangle 10"/>
+          <p:cNvSpPr/>
+          <p:nvPr userDrawn="1"/>
+        </p:nvSpPr>
+        <p:spPr>
+          <a:xfrm>
+            <a:off x="8690" y="990600"/>
+            <a:ext cx="4912102" cy="1066800"/>
+          </a:xfrm>
+          <a:prstGeom prst="rect">
+            <a:avLst/>
+          </a:prstGeom>
+          <a:solidFill>
+            <a:srgbClr val="D7D7D7"/>
+          </a:solidFill>
+          <a:ln>
+            <a:noFill/>
+          </a:ln>
+        </p:spPr>
+        <p:style>
+          <a:lnRef idx="2">
+            <a:schemeClr val="accent1">
+              <a:shade val="50000"/>
+            </a:schemeClr>
+          </a:lnRef>
+          <a:fillRef idx="1">
+            <a:schemeClr val="accent1"/>
+          </a:fillRef>
+          <a:effectRef idx="0">
+            <a:schemeClr val="accent1"/>
+          </a:effectRef>
+          <a:fontRef idx="minor">
+            <a:schemeClr val="lt1"/>
+          </a:fontRef>
+        </p:style>
+        <p:txBody>
+          <a:bodyPr rtlCol="0" anchor="ctr"/>
+          <a:lstStyle/>
+          <a:p>
+            <a:pPr algn="ctr"/>
+            <a:endParaRPr lang="en-US" dirty="0"/>
+          </a:p>
+        </p:txBody>
+      </p:sp>
+      <p:pic>
+        <p:nvPicPr>
+          <p:cNvPr id="9" name="Graphic 8"/>
+          <p:cNvPicPr>
+            <a:picLocks noChangeAspect="1"/>
+          </p:cNvPicPr>
+          <p:nvPr userDrawn="1"/>
+        </p:nvPicPr>
+        <p:blipFill>
+          <a:blip r:embed="rId2">
+            <a:extLst>
+              <a:ext uri="{28A0092B-C50C-407E-A947-70E740481C1C}">
+                <a14:useLocalDpi xmlns:a14="http://schemas.microsoft.com/office/drawing/2010/main" val="0"/>
+              </a:ext>
+              <a:ext uri="{96DAC541-7B7A-43D3-8B79-37D633B846F1}">
+                <asvg:svgBlip xmlns:asvg="http://schemas.microsoft.com/office/drawing/2016/SVG/main" r:embed="rId3"/>
+              </a:ext>
+            </a:extLst>
+          </a:blip>
+          <a:stretch>
+            <a:fillRect/>
+          </a:stretch>
+        </p:blipFill>
+        <p:spPr>
+          <a:xfrm>
+            <a:off x="10078872" y="4702400"/>
+            <a:ext cx="2031312" cy="2031312"/>
+          </a:xfrm>
+          <a:prstGeom prst="rect">
+            <a:avLst/>
+          </a:prstGeom>
+        </p:spPr>
+      </p:pic>
+      <p:pic>
+        <p:nvPicPr>
+          <p:cNvPr id="10" name="Graphic 9"/>
+          <p:cNvPicPr>
+            <a:picLocks noChangeAspect="1"/>
+          </p:cNvPicPr>
+          <p:nvPr userDrawn="1"/>
+        </p:nvPicPr>
+        <p:blipFill>
+          <a:blip r:embed="rId4">
+            <a:extLst>
+              <a:ext uri="{28A0092B-C50C-407E-A947-70E740481C1C}">
+                <a14:useLocalDpi xmlns:a14="http://schemas.microsoft.com/office/drawing/2010/main" val="0"/>
+              </a:ext>
+              <a:ext uri="{96DAC541-7B7A-43D3-8B79-37D633B846F1}">
+                <asvg:svgBlip xmlns:asvg="http://schemas.microsoft.com/office/drawing/2016/SVG/main" r:embed="rId5"/>
+              </a:ext>
+            </a:extLst>
+          </a:blip>
+          <a:stretch>
+            <a:fillRect/>
+          </a:stretch>
+        </p:blipFill>
+        <p:spPr>
+          <a:xfrm>
+            <a:off x="188510" y="132658"/>
+            <a:ext cx="6625920" cy="522240"/>
+          </a:xfrm>
+          <a:prstGeom prst="rect">
+            <a:avLst/>
+          </a:prstGeom>
+        </p:spPr>
+      </p:pic>
+      <p:sp>
+        <p:nvSpPr>
+          <p:cNvPr id="2" name="Title 1"/>
+          <p:cNvSpPr>
+            <a:spLocks noGrp="1"/>
+          </p:cNvSpPr>
+          <p:nvPr>
+            <p:ph type="title"/>
+          </p:nvPr>
+        </p:nvSpPr>
+        <p:spPr>
+          <a:xfrm>
+            <a:off x="839788" y="457200"/>
+            <a:ext cx="3932237" cy="1600200"/>
+          </a:xfrm>
+        </p:spPr>
+        <p:txBody>
+          <a:bodyPr anchor="b"/>
+          <a:lstStyle>
+            <a:lvl1pPr>
+              <a:defRPr sz="3200"/>
+            </a:lvl1pPr>
+          </a:lstStyle>
+          <a:p>
+            <a:r>
+              <a:rPr lang="en-US"/>
+              <a:t>Click to edit Master title style</a:t>
+            </a:r>
+            <a:endParaRPr lang="en-US"/>
+          </a:p>
+        </p:txBody>
+      </p:sp>
+      <p:sp>
+        <p:nvSpPr>
+          <p:cNvPr id="3" name="Content Placeholder 2"/>
+          <p:cNvSpPr>
+            <a:spLocks noGrp="1"/>
+          </p:cNvSpPr>
+          <p:nvPr>
+            <p:ph idx="1"/>
+          </p:nvPr>
+        </p:nvSpPr>
+        <p:spPr>
+          <a:xfrm>
+            <a:off x="5183188" y="987425"/>
+            <a:ext cx="6172200" cy="4873625"/>
+          </a:xfrm>
+        </p:spPr>
+        <p:txBody>
+          <a:bodyPr/>
+          <a:lstStyle>
+            <a:lvl1pPr>
+              <a:defRPr sz="3200"/>
+            </a:lvl1pPr>
+            <a:lvl2pPr>
+              <a:defRPr sz="2800"/>
+            </a:lvl2pPr>
+            <a:lvl3pPr>
+              <a:defRPr sz="2400"/>
+            </a:lvl3pPr>
+            <a:lvl4pPr>
+              <a:defRPr sz="2000"/>
+            </a:lvl4pPr>
+            <a:lvl5pPr>
+              <a:defRPr sz="2000"/>
+            </a:lvl5pPr>
+            <a:lvl6pPr>
+              <a:defRPr sz="2000"/>
+            </a:lvl6pPr>
+            <a:lvl7pPr>
+              <a:defRPr sz="2000"/>
+            </a:lvl7pPr>
+            <a:lvl8pPr>
+              <a:defRPr sz="2000"/>
+            </a:lvl8pPr>
+            <a:lvl9pPr>
+              <a:defRPr sz="2000"/>
+            </a:lvl9pPr>
+          </a:lstStyle>
+          <a:p>
+            <a:pPr lvl="0"/>
+            <a:r>
+              <a:rPr lang="en-US"/>
+              <a:t>Click to edit Master text styles</a:t>
+            </a:r>
+            <a:endParaRPr lang="en-US"/>
+          </a:p>
+          <a:p>
+            <a:pPr lvl="1"/>
+            <a:r>
+              <a:rPr lang="en-US"/>
+              <a:t>Second level</a:t>
+            </a:r>
+            <a:endParaRPr lang="en-US"/>
+          </a:p>
+          <a:p>
+            <a:pPr lvl="2"/>
+            <a:r>
+              <a:rPr lang="en-US"/>
+              <a:t>Third level</a:t>
+            </a:r>
+            <a:endParaRPr lang="en-US"/>
+          </a:p>
+          <a:p>
+            <a:pPr lvl="3"/>
+            <a:r>
+              <a:rPr lang="en-US"/>
+              <a:t>Fourth level</a:t>
+            </a:r>
+            <a:endParaRPr lang="en-US"/>
+          </a:p>
+          <a:p>
+            <a:pPr lvl="4"/>
+            <a:r>
+              <a:rPr lang="en-US"/>
+              <a:t>Fifth level</a:t>
+            </a:r>
+            <a:endParaRPr lang="en-US"/>
+          </a:p>
+        </p:txBody>
+      </p:sp>
+      <p:sp>
+        <p:nvSpPr>
+          <p:cNvPr id="4" name="Text Placeholder 3"/>
+          <p:cNvSpPr>
+            <a:spLocks noGrp="1"/>
+          </p:cNvSpPr>
+          <p:nvPr>
+            <p:ph type="body" sz="half" idx="2"/>
+          </p:nvPr>
+        </p:nvSpPr>
+        <p:spPr>
+          <a:xfrm>
+            <a:off x="839788" y="2057400"/>
+            <a:ext cx="3932237" cy="3811588"/>
+          </a:xfrm>
+        </p:spPr>
+        <p:txBody>
+          <a:bodyPr/>
+          <a:lstStyle>
+            <a:lvl1pPr marL="0" indent="0">
+              <a:buNone/>
+              <a:defRPr sz="1600"/>
+            </a:lvl1pPr>
+            <a:lvl2pPr marL="457200" indent="0">
+              <a:buNone/>
+              <a:defRPr sz="1400"/>
+            </a:lvl2pPr>
+            <a:lvl3pPr marL="914400" indent="0">
+              <a:buNone/>
+              <a:defRPr sz="1200"/>
+            </a:lvl3pPr>
+            <a:lvl4pPr marL="1371600" indent="0">
+              <a:buNone/>
+              <a:defRPr sz="1000"/>
+            </a:lvl4pPr>
+            <a:lvl5pPr marL="1828800" indent="0">
+              <a:buNone/>
+              <a:defRPr sz="1000"/>
+            </a:lvl5pPr>
+            <a:lvl6pPr marL="2286000" indent="0">
+              <a:buNone/>
+              <a:defRPr sz="1000"/>
+            </a:lvl6pPr>
+            <a:lvl7pPr marL="2743200" indent="0">
+              <a:buNone/>
+              <a:defRPr sz="1000"/>
+            </a:lvl7pPr>
+            <a:lvl8pPr marL="3200400" indent="0">
+              <a:buNone/>
+              <a:defRPr sz="1000"/>
+            </a:lvl8pPr>
+            <a:lvl9pPr marL="3657600" indent="0">
+              <a:buNone/>
+              <a:defRPr sz="1000"/>
+            </a:lvl9pPr>
+          </a:lstStyle>
+          <a:p>
+            <a:pPr lvl="0"/>
+            <a:r>
+              <a:rPr lang="en-US"/>
+              <a:t>Click to edit Master text styles</a:t>
+            </a:r>
+            <a:endParaRPr lang="en-US"/>
+          </a:p>
+        </p:txBody>
+      </p:sp>
+      <p:sp>
+        <p:nvSpPr>
+          <p:cNvPr id="5" name="Date Placeholder 4"/>
+          <p:cNvSpPr>
+            <a:spLocks noGrp="1"/>
+          </p:cNvSpPr>
+          <p:nvPr>
+            <p:ph type="dt" sz="half" idx="10"/>
+          </p:nvPr>
+        </p:nvSpPr>
+        <p:spPr/>
+        <p:txBody>
+          <a:bodyPr/>
+          <a:lstStyle/>
+          <a:p>
+            <a:fld id="{D23825CE-EA27-43C6-AB1F-080E7FF7D097}" type="datetimeFigureOut">
+              <a:rPr lang="en-US" smtClean="0"/>
+            </a:fld>
+            <a:endParaRPr lang="en-US" dirty="0"/>
+          </a:p>
+        </p:txBody>
+      </p:sp>
+      <p:sp>
+        <p:nvSpPr>
+          <p:cNvPr id="6" name="Footer Placeholder 5"/>
+          <p:cNvSpPr>
+            <a:spLocks noGrp="1"/>
+          </p:cNvSpPr>
+          <p:nvPr>
+            <p:ph type="ftr" sz="quarter" idx="11"/>
+          </p:nvPr>
+        </p:nvSpPr>
+        <p:spPr/>
+        <p:txBody>
+          <a:bodyPr/>
+          <a:lstStyle/>
+          <a:p>
+            <a:endParaRPr lang="en-US" dirty="0"/>
+          </a:p>
+        </p:txBody>
+      </p:sp>
+      <p:sp>
+        <p:nvSpPr>
+          <p:cNvPr id="7" name="Slide Number Placeholder 6"/>
+          <p:cNvSpPr>
+            <a:spLocks noGrp="1"/>
+          </p:cNvSpPr>
+          <p:nvPr>
+            <p:ph type="sldNum" sz="quarter" idx="12"/>
+          </p:nvPr>
+        </p:nvSpPr>
+        <p:spPr/>
+        <p:txBody>
+          <a:bodyPr/>
+          <a:lstStyle/>
+          <a:p>
+            <a:fld id="{49C557A5-E416-4952-AD0C-7AF552945DF5}" type="slidenum">
+              <a:rPr lang="en-US" smtClean="0"/>
+            </a:fld>
+            <a:endParaRPr lang="en-US" dirty="0"/>
+          </a:p>
+        </p:txBody>
+      </p:sp>
+    </p:spTree>
+  </p:cSld>
+  <p:clrMapOvr>
+    <a:masterClrMapping/>
+  </p:clrMapOvr>
+</p:sldLayout>
+</file>
+
+<file path=ppt/slideLayouts/slideLayout2.xml><?xml version="1.0" encoding="utf-8"?>
+<p:sldLayout xmlns:a="http://schemas.openxmlformats.org/drawingml/2006/main" xmlns:r="http://schemas.openxmlformats.org/officeDocument/2006/relationships" xmlns:p="http://schemas.openxmlformats.org/presentationml/2006/main" type="title" preserve="1">
+  <p:cSld name="Header Slide">
+    <p:spTree>
+      <p:nvGrpSpPr>
+        <p:cNvPr id="1" name=""/>
+        <p:cNvGrpSpPr/>
+        <p:nvPr/>
+      </p:nvGrpSpPr>
+      <p:grpSpPr>
+        <a:xfrm>
+          <a:off x="0" y="0"/>
+          <a:ext cx="0" cy="0"/>
+          <a:chOff x="0" y="0"/>
+          <a:chExt cx="0" cy="0"/>
+        </a:xfrm>
+      </p:grpSpPr>
+      <p:sp>
+        <p:nvSpPr>
+          <p:cNvPr id="11" name="Rectangle 10"/>
+          <p:cNvSpPr/>
+          <p:nvPr userDrawn="1"/>
+        </p:nvSpPr>
+        <p:spPr>
+          <a:xfrm>
+            <a:off x="0" y="0"/>
+            <a:ext cx="12301979" cy="6858000"/>
+          </a:xfrm>
+          <a:prstGeom prst="rect">
+            <a:avLst/>
+          </a:prstGeom>
+          <a:solidFill>
+            <a:schemeClr val="tx1"/>
+          </a:solidFill>
+          <a:ln>
+            <a:noFill/>
+          </a:ln>
+        </p:spPr>
+        <p:style>
+          <a:lnRef idx="2">
+            <a:schemeClr val="accent1">
+              <a:shade val="50000"/>
+            </a:schemeClr>
+          </a:lnRef>
+          <a:fillRef idx="1">
+            <a:schemeClr val="accent1"/>
+          </a:fillRef>
+          <a:effectRef idx="0">
+            <a:schemeClr val="accent1"/>
+          </a:effectRef>
+          <a:fontRef idx="minor">
+            <a:schemeClr val="lt1"/>
+          </a:fontRef>
+        </p:style>
+        <p:txBody>
+          <a:bodyPr rtlCol="0" anchor="ctr"/>
+          <a:lstStyle/>
+          <a:p>
+            <a:pPr algn="ctr"/>
+            <a:endParaRPr lang="en-US" dirty="0"/>
+          </a:p>
+        </p:txBody>
+      </p:sp>
+      <p:sp>
+        <p:nvSpPr>
+          <p:cNvPr id="2" name="Title 1"/>
+          <p:cNvSpPr>
+            <a:spLocks noGrp="1"/>
+          </p:cNvSpPr>
+          <p:nvPr>
+            <p:ph type="ctrTitle"/>
+          </p:nvPr>
+        </p:nvSpPr>
+        <p:spPr>
+          <a:xfrm>
+            <a:off x="798286" y="1122363"/>
+            <a:ext cx="10595428" cy="2387600"/>
+          </a:xfrm>
+        </p:spPr>
+        <p:txBody>
+          <a:bodyPr anchor="b"/>
+          <a:lstStyle>
+            <a:lvl1pPr algn="ctr">
+              <a:defRPr sz="6000">
+                <a:solidFill>
+                  <a:schemeClr val="bg1">
+                    <a:lumMod val="95000"/>
+                  </a:schemeClr>
+                </a:solidFill>
+              </a:defRPr>
+            </a:lvl1pPr>
+          </a:lstStyle>
+          <a:p>
+            <a:r>
+              <a:rPr lang="en-US"/>
+              <a:t>Click to edit Master title style</a:t>
+            </a:r>
+            <a:endParaRPr lang="en-US" dirty="0"/>
+          </a:p>
+        </p:txBody>
+      </p:sp>
+      <p:sp>
+        <p:nvSpPr>
+          <p:cNvPr id="3" name="Subtitle 2"/>
+          <p:cNvSpPr>
+            <a:spLocks noGrp="1"/>
+          </p:cNvSpPr>
+          <p:nvPr>
+            <p:ph type="subTitle" idx="1"/>
+          </p:nvPr>
+        </p:nvSpPr>
+        <p:spPr>
+          <a:xfrm>
+            <a:off x="1524000" y="3602038"/>
+            <a:ext cx="9144000" cy="1655762"/>
+          </a:xfrm>
+        </p:spPr>
+        <p:txBody>
+          <a:bodyPr/>
+          <a:lstStyle>
+            <a:lvl1pPr marL="0" indent="0" algn="ctr">
+              <a:buNone/>
+              <a:defRPr sz="2400">
+                <a:solidFill>
+                  <a:schemeClr val="bg1">
+                    <a:lumMod val="95000"/>
+                  </a:schemeClr>
+                </a:solidFill>
+              </a:defRPr>
+            </a:lvl1pPr>
+            <a:lvl2pPr marL="457200" indent="0" algn="ctr">
+              <a:buNone/>
+              <a:defRPr sz="2000"/>
+            </a:lvl2pPr>
+            <a:lvl3pPr marL="914400" indent="0" algn="ctr">
+              <a:buNone/>
+              <a:defRPr sz="1800"/>
+            </a:lvl3pPr>
+            <a:lvl4pPr marL="1371600" indent="0" algn="ctr">
+              <a:buNone/>
+              <a:defRPr sz="1600"/>
+            </a:lvl4pPr>
+            <a:lvl5pPr marL="1828800" indent="0" algn="ctr">
+              <a:buNone/>
+              <a:defRPr sz="1600"/>
+            </a:lvl5pPr>
+            <a:lvl6pPr marL="2286000" indent="0" algn="ctr">
+              <a:buNone/>
+              <a:defRPr sz="1600"/>
+            </a:lvl6pPr>
+            <a:lvl7pPr marL="2743200" indent="0" algn="ctr">
+              <a:buNone/>
+              <a:defRPr sz="1600"/>
+            </a:lvl7pPr>
+            <a:lvl8pPr marL="3200400" indent="0" algn="ctr">
+              <a:buNone/>
+              <a:defRPr sz="1600"/>
+            </a:lvl8pPr>
+            <a:lvl9pPr marL="3657600" indent="0" algn="ctr">
+              <a:buNone/>
+              <a:defRPr sz="1600"/>
+            </a:lvl9pPr>
+          </a:lstStyle>
+          <a:p>
+            <a:r>
+              <a:rPr lang="en-US"/>
+              <a:t>Click to edit Master subtitle style</a:t>
+            </a:r>
+            <a:endParaRPr lang="en-US" dirty="0"/>
+          </a:p>
+        </p:txBody>
+      </p:sp>
+      <p:sp>
+        <p:nvSpPr>
+          <p:cNvPr id="4" name="Date Placeholder 3"/>
+          <p:cNvSpPr>
+            <a:spLocks noGrp="1"/>
+          </p:cNvSpPr>
+          <p:nvPr>
+            <p:ph type="dt" sz="half" idx="10"/>
+          </p:nvPr>
+        </p:nvSpPr>
+        <p:spPr/>
+        <p:txBody>
+          <a:bodyPr/>
+          <a:lstStyle>
+            <a:lvl1pPr>
+              <a:defRPr>
+                <a:solidFill>
+                  <a:schemeClr val="bg1">
+                    <a:lumMod val="95000"/>
+                  </a:schemeClr>
+                </a:solidFill>
+              </a:defRPr>
+            </a:lvl1pPr>
+          </a:lstStyle>
+          <a:p>
+            <a:fld id="{D23825CE-EA27-43C6-AB1F-080E7FF7D097}" type="datetimeFigureOut">
+              <a:rPr lang="en-US" smtClean="0"/>
+            </a:fld>
+            <a:endParaRPr lang="en-US" dirty="0"/>
+          </a:p>
+        </p:txBody>
+      </p:sp>
+      <p:sp>
+        <p:nvSpPr>
+          <p:cNvPr id="5" name="Footer Placeholder 4"/>
+          <p:cNvSpPr>
+            <a:spLocks noGrp="1"/>
+          </p:cNvSpPr>
+          <p:nvPr>
+            <p:ph type="ftr" sz="quarter" idx="11"/>
+          </p:nvPr>
+        </p:nvSpPr>
+        <p:spPr/>
+        <p:txBody>
+          <a:bodyPr/>
+          <a:lstStyle>
+            <a:lvl1pPr>
+              <a:defRPr>
+                <a:solidFill>
+                  <a:schemeClr val="bg1">
+                    <a:lumMod val="95000"/>
+                  </a:schemeClr>
+                </a:solidFill>
+              </a:defRPr>
+            </a:lvl1pPr>
+          </a:lstStyle>
+          <a:p>
+            <a:endParaRPr lang="en-US" dirty="0"/>
+          </a:p>
+        </p:txBody>
+      </p:sp>
+      <p:sp>
+        <p:nvSpPr>
+          <p:cNvPr id="6" name="Slide Number Placeholder 5"/>
+          <p:cNvSpPr>
+            <a:spLocks noGrp="1"/>
+          </p:cNvSpPr>
+          <p:nvPr>
+            <p:ph type="sldNum" sz="quarter" idx="12"/>
+          </p:nvPr>
+        </p:nvSpPr>
+        <p:spPr/>
+        <p:txBody>
+          <a:bodyPr/>
+          <a:lstStyle>
+            <a:lvl1pPr>
+              <a:defRPr>
+                <a:solidFill>
+                  <a:schemeClr val="bg1">
+                    <a:lumMod val="95000"/>
+                  </a:schemeClr>
+                </a:solidFill>
+              </a:defRPr>
+            </a:lvl1pPr>
+          </a:lstStyle>
+          <a:p>
+            <a:fld id="{49C557A5-E416-4952-AD0C-7AF552945DF5}" type="slidenum">
+              <a:rPr lang="en-US" smtClean="0"/>
+            </a:fld>
+            <a:endParaRPr lang="en-US" dirty="0"/>
+          </a:p>
+        </p:txBody>
+      </p:sp>
+      <p:pic>
+        <p:nvPicPr>
+          <p:cNvPr id="9" name="Graphic 8"/>
+          <p:cNvPicPr>
+            <a:picLocks noChangeAspect="1"/>
+          </p:cNvPicPr>
+          <p:nvPr userDrawn="1"/>
+        </p:nvPicPr>
+        <p:blipFill>
+          <a:blip r:embed="rId2">
+            <a:extLst>
+              <a:ext uri="{28A0092B-C50C-407E-A947-70E740481C1C}">
+                <a14:useLocalDpi xmlns:a14="http://schemas.microsoft.com/office/drawing/2010/main" val="0"/>
+              </a:ext>
+              <a:ext uri="{96DAC541-7B7A-43D3-8B79-37D633B846F1}">
+                <asvg:svgBlip xmlns:asvg="http://schemas.microsoft.com/office/drawing/2016/SVG/main" r:embed="rId3"/>
+              </a:ext>
+            </a:extLst>
+          </a:blip>
+          <a:stretch>
+            <a:fillRect/>
+          </a:stretch>
+        </p:blipFill>
+        <p:spPr>
+          <a:xfrm>
+            <a:off x="10078872" y="4702400"/>
+            <a:ext cx="2031312" cy="2031312"/>
+          </a:xfrm>
+          <a:prstGeom prst="rect">
+            <a:avLst/>
+          </a:prstGeom>
+          <a:effectLst>
+            <a:glow rad="101600">
+              <a:schemeClr val="accent3">
+                <a:satMod val="175000"/>
+                <a:alpha val="40000"/>
+              </a:schemeClr>
+            </a:glow>
+          </a:effectLst>
+        </p:spPr>
+      </p:pic>
+      <p:pic>
+        <p:nvPicPr>
+          <p:cNvPr id="10" name="Graphic 9"/>
+          <p:cNvPicPr>
+            <a:picLocks noChangeAspect="1"/>
+          </p:cNvPicPr>
+          <p:nvPr userDrawn="1"/>
+        </p:nvPicPr>
+        <p:blipFill>
+          <a:blip r:embed="rId4">
+            <a:extLst>
+              <a:ext uri="{28A0092B-C50C-407E-A947-70E740481C1C}">
+                <a14:useLocalDpi xmlns:a14="http://schemas.microsoft.com/office/drawing/2010/main" val="0"/>
+              </a:ext>
+              <a:ext uri="{96DAC541-7B7A-43D3-8B79-37D633B846F1}">
+                <asvg:svgBlip xmlns:asvg="http://schemas.microsoft.com/office/drawing/2016/SVG/main" r:embed="rId5"/>
+              </a:ext>
+            </a:extLst>
+          </a:blip>
+          <a:stretch>
+            <a:fillRect/>
+          </a:stretch>
+        </p:blipFill>
+        <p:spPr>
+          <a:xfrm>
+            <a:off x="495229" y="430970"/>
+            <a:ext cx="11201542" cy="883402"/>
+          </a:xfrm>
+          <a:prstGeom prst="rect">
+            <a:avLst/>
+          </a:prstGeom>
+        </p:spPr>
+      </p:pic>
+    </p:spTree>
+  </p:cSld>
+  <p:clrMapOvr>
+    <a:masterClrMapping/>
+  </p:clrMapOvr>
+</p:sldLayout>
+</file>
+
+<file path=ppt/slideLayouts/slideLayout20.xml><?xml version="1.0" encoding="utf-8"?>
+<p:sldLayout xmlns:a="http://schemas.openxmlformats.org/drawingml/2006/main" xmlns:r="http://schemas.openxmlformats.org/officeDocument/2006/relationships" xmlns:p="http://schemas.openxmlformats.org/presentationml/2006/main" type="picTx" preserve="1">
+  <p:cSld name="Picture with Caption">
+    <p:spTree>
+      <p:nvGrpSpPr>
+        <p:cNvPr id="1" name=""/>
+        <p:cNvGrpSpPr/>
+        <p:nvPr/>
+      </p:nvGrpSpPr>
+      <p:grpSpPr>
+        <a:xfrm>
+          <a:off x="0" y="0"/>
+          <a:ext cx="0" cy="0"/>
+          <a:chOff x="0" y="0"/>
+          <a:chExt cx="0" cy="0"/>
+        </a:xfrm>
+      </p:grpSpPr>
+      <p:sp>
+        <p:nvSpPr>
+          <p:cNvPr id="8" name="Rectangle 7"/>
+          <p:cNvSpPr/>
+          <p:nvPr userDrawn="1"/>
+        </p:nvSpPr>
+        <p:spPr>
+          <a:xfrm>
+            <a:off x="0" y="0"/>
+            <a:ext cx="12192000" cy="6858000"/>
+          </a:xfrm>
+          <a:prstGeom prst="rect">
+            <a:avLst/>
+          </a:prstGeom>
+          <a:gradFill>
+            <a:gsLst>
+              <a:gs pos="60000">
+                <a:schemeClr val="bg1"/>
+              </a:gs>
+              <a:gs pos="37000">
+                <a:srgbClr val="F5F5F5"/>
+              </a:gs>
+              <a:gs pos="0">
+                <a:srgbClr val="B2B2B2"/>
+              </a:gs>
+              <a:gs pos="100000">
+                <a:srgbClr val="D4D4D4">
+                  <a:lumMod val="96000"/>
+                </a:srgbClr>
+              </a:gs>
+            </a:gsLst>
+            <a:lin ang="14700000" scaled="0"/>
+          </a:gradFill>
+        </p:spPr>
+        <p:style>
+          <a:lnRef idx="2">
+            <a:schemeClr val="accent1">
+              <a:shade val="50000"/>
+            </a:schemeClr>
+          </a:lnRef>
+          <a:fillRef idx="1">
+            <a:schemeClr val="accent1"/>
+          </a:fillRef>
+          <a:effectRef idx="0">
+            <a:schemeClr val="accent1"/>
+          </a:effectRef>
+          <a:fontRef idx="minor">
+            <a:schemeClr val="lt1"/>
+          </a:fontRef>
+        </p:style>
+        <p:txBody>
+          <a:bodyPr rtlCol="0" anchor="ctr"/>
+          <a:lstStyle/>
+          <a:p>
+            <a:pPr algn="ctr"/>
+            <a:endParaRPr lang="en-US" dirty="0"/>
+          </a:p>
+        </p:txBody>
+      </p:sp>
+      <p:sp>
+        <p:nvSpPr>
+          <p:cNvPr id="9" name="Rectangle 8"/>
+          <p:cNvSpPr/>
+          <p:nvPr userDrawn="1"/>
+        </p:nvSpPr>
+        <p:spPr>
+          <a:xfrm>
+            <a:off x="8690" y="990600"/>
+            <a:ext cx="4912102" cy="1066800"/>
+          </a:xfrm>
+          <a:prstGeom prst="rect">
+            <a:avLst/>
+          </a:prstGeom>
+          <a:solidFill>
+            <a:srgbClr val="D7D7D7"/>
+          </a:solidFill>
+          <a:ln>
+            <a:noFill/>
+          </a:ln>
+        </p:spPr>
+        <p:style>
+          <a:lnRef idx="2">
+            <a:schemeClr val="accent1">
+              <a:shade val="50000"/>
+            </a:schemeClr>
+          </a:lnRef>
+          <a:fillRef idx="1">
+            <a:schemeClr val="accent1"/>
+          </a:fillRef>
+          <a:effectRef idx="0">
+            <a:schemeClr val="accent1"/>
+          </a:effectRef>
+          <a:fontRef idx="minor">
+            <a:schemeClr val="lt1"/>
+          </a:fontRef>
+        </p:style>
+        <p:txBody>
+          <a:bodyPr rtlCol="0" anchor="ctr"/>
+          <a:lstStyle/>
+          <a:p>
+            <a:pPr algn="ctr"/>
+            <a:endParaRPr lang="en-US" dirty="0"/>
+          </a:p>
+        </p:txBody>
+      </p:sp>
+      <p:pic>
+        <p:nvPicPr>
+          <p:cNvPr id="10" name="Graphic 9"/>
+          <p:cNvPicPr>
+            <a:picLocks noChangeAspect="1"/>
+          </p:cNvPicPr>
+          <p:nvPr userDrawn="1"/>
+        </p:nvPicPr>
+        <p:blipFill>
+          <a:blip r:embed="rId2">
+            <a:extLst>
+              <a:ext uri="{28A0092B-C50C-407E-A947-70E740481C1C}">
+                <a14:useLocalDpi xmlns:a14="http://schemas.microsoft.com/office/drawing/2010/main" val="0"/>
+              </a:ext>
+              <a:ext uri="{96DAC541-7B7A-43D3-8B79-37D633B846F1}">
+                <asvg:svgBlip xmlns:asvg="http://schemas.microsoft.com/office/drawing/2016/SVG/main" r:embed="rId3"/>
+              </a:ext>
+            </a:extLst>
+          </a:blip>
+          <a:stretch>
+            <a:fillRect/>
+          </a:stretch>
+        </p:blipFill>
+        <p:spPr>
+          <a:xfrm>
+            <a:off x="10078872" y="4702400"/>
+            <a:ext cx="2031312" cy="2031312"/>
+          </a:xfrm>
+          <a:prstGeom prst="rect">
+            <a:avLst/>
+          </a:prstGeom>
+        </p:spPr>
+      </p:pic>
+      <p:pic>
+        <p:nvPicPr>
+          <p:cNvPr id="11" name="Graphic 10"/>
+          <p:cNvPicPr>
+            <a:picLocks noChangeAspect="1"/>
+          </p:cNvPicPr>
+          <p:nvPr userDrawn="1"/>
+        </p:nvPicPr>
+        <p:blipFill>
+          <a:blip r:embed="rId4">
+            <a:extLst>
+              <a:ext uri="{28A0092B-C50C-407E-A947-70E740481C1C}">
+                <a14:useLocalDpi xmlns:a14="http://schemas.microsoft.com/office/drawing/2010/main" val="0"/>
+              </a:ext>
+              <a:ext uri="{96DAC541-7B7A-43D3-8B79-37D633B846F1}">
+                <asvg:svgBlip xmlns:asvg="http://schemas.microsoft.com/office/drawing/2016/SVG/main" r:embed="rId5"/>
+              </a:ext>
+            </a:extLst>
+          </a:blip>
+          <a:stretch>
+            <a:fillRect/>
+          </a:stretch>
+        </p:blipFill>
+        <p:spPr>
+          <a:xfrm>
+            <a:off x="188510" y="132658"/>
+            <a:ext cx="6625920" cy="522240"/>
+          </a:xfrm>
+          <a:prstGeom prst="rect">
+            <a:avLst/>
+          </a:prstGeom>
+        </p:spPr>
+      </p:pic>
+      <p:sp>
+        <p:nvSpPr>
+          <p:cNvPr id="2" name="Title 1"/>
+          <p:cNvSpPr>
+            <a:spLocks noGrp="1"/>
+          </p:cNvSpPr>
+          <p:nvPr>
+            <p:ph type="title"/>
+          </p:nvPr>
+        </p:nvSpPr>
+        <p:spPr>
+          <a:xfrm>
+            <a:off x="839788" y="457200"/>
+            <a:ext cx="3932237" cy="1600200"/>
+          </a:xfrm>
+        </p:spPr>
+        <p:txBody>
+          <a:bodyPr anchor="b"/>
+          <a:lstStyle>
+            <a:lvl1pPr>
+              <a:defRPr sz="3200"/>
+            </a:lvl1pPr>
+          </a:lstStyle>
+          <a:p>
+            <a:r>
+              <a:rPr lang="en-US"/>
+              <a:t>Click to edit Master title style</a:t>
+            </a:r>
+            <a:endParaRPr lang="en-US"/>
+          </a:p>
+        </p:txBody>
+      </p:sp>
+      <p:sp>
+        <p:nvSpPr>
+          <p:cNvPr id="3" name="Picture Placeholder 2"/>
+          <p:cNvSpPr>
+            <a:spLocks noGrp="1"/>
+          </p:cNvSpPr>
+          <p:nvPr>
+            <p:ph type="pic" idx="1"/>
+          </p:nvPr>
+        </p:nvSpPr>
+        <p:spPr>
+          <a:xfrm>
+            <a:off x="5183188" y="987425"/>
+            <a:ext cx="6172200" cy="4873625"/>
+          </a:xfrm>
+        </p:spPr>
+        <p:txBody>
+          <a:bodyPr/>
+          <a:lstStyle>
+            <a:lvl1pPr marL="0" indent="0">
+              <a:buNone/>
+              <a:defRPr sz="3200"/>
+            </a:lvl1pPr>
+            <a:lvl2pPr marL="457200" indent="0">
+              <a:buNone/>
+              <a:defRPr sz="2800"/>
+            </a:lvl2pPr>
+            <a:lvl3pPr marL="914400" indent="0">
+              <a:buNone/>
+              <a:defRPr sz="2400"/>
+            </a:lvl3pPr>
+            <a:lvl4pPr marL="1371600" indent="0">
+              <a:buNone/>
+              <a:defRPr sz="2000"/>
+            </a:lvl4pPr>
+            <a:lvl5pPr marL="1828800" indent="0">
+              <a:buNone/>
+              <a:defRPr sz="2000"/>
+            </a:lvl5pPr>
+            <a:lvl6pPr marL="2286000" indent="0">
+              <a:buNone/>
+              <a:defRPr sz="2000"/>
+            </a:lvl6pPr>
+            <a:lvl7pPr marL="2743200" indent="0">
+              <a:buNone/>
+              <a:defRPr sz="2000"/>
+            </a:lvl7pPr>
+            <a:lvl8pPr marL="3200400" indent="0">
+              <a:buNone/>
+              <a:defRPr sz="2000"/>
+            </a:lvl8pPr>
+            <a:lvl9pPr marL="3657600" indent="0">
+              <a:buNone/>
+              <a:defRPr sz="2000"/>
+            </a:lvl9pPr>
+          </a:lstStyle>
+          <a:p>
+            <a:r>
+              <a:rPr lang="en-US" dirty="0"/>
+              <a:t>Click icon to add picture</a:t>
+            </a:r>
+            <a:endParaRPr lang="en-US" dirty="0"/>
+          </a:p>
+        </p:txBody>
+      </p:sp>
+      <p:sp>
+        <p:nvSpPr>
+          <p:cNvPr id="4" name="Text Placeholder 3"/>
+          <p:cNvSpPr>
+            <a:spLocks noGrp="1"/>
+          </p:cNvSpPr>
+          <p:nvPr>
+            <p:ph type="body" sz="half" idx="2"/>
+          </p:nvPr>
+        </p:nvSpPr>
+        <p:spPr>
+          <a:xfrm>
+            <a:off x="839788" y="2057400"/>
+            <a:ext cx="3932237" cy="3811588"/>
+          </a:xfrm>
+        </p:spPr>
+        <p:txBody>
+          <a:bodyPr/>
+          <a:lstStyle>
+            <a:lvl1pPr marL="0" indent="0">
+              <a:buNone/>
+              <a:defRPr sz="1600"/>
+            </a:lvl1pPr>
+            <a:lvl2pPr marL="457200" indent="0">
+              <a:buNone/>
+              <a:defRPr sz="1400"/>
+            </a:lvl2pPr>
+            <a:lvl3pPr marL="914400" indent="0">
+              <a:buNone/>
+              <a:defRPr sz="1200"/>
+            </a:lvl3pPr>
+            <a:lvl4pPr marL="1371600" indent="0">
+              <a:buNone/>
+              <a:defRPr sz="1000"/>
+            </a:lvl4pPr>
+            <a:lvl5pPr marL="1828800" indent="0">
+              <a:buNone/>
+              <a:defRPr sz="1000"/>
+            </a:lvl5pPr>
+            <a:lvl6pPr marL="2286000" indent="0">
+              <a:buNone/>
+              <a:defRPr sz="1000"/>
+            </a:lvl6pPr>
+            <a:lvl7pPr marL="2743200" indent="0">
+              <a:buNone/>
+              <a:defRPr sz="1000"/>
+            </a:lvl7pPr>
+            <a:lvl8pPr marL="3200400" indent="0">
+              <a:buNone/>
+              <a:defRPr sz="1000"/>
+            </a:lvl8pPr>
+            <a:lvl9pPr marL="3657600" indent="0">
+              <a:buNone/>
+              <a:defRPr sz="1000"/>
+            </a:lvl9pPr>
+          </a:lstStyle>
+          <a:p>
+            <a:pPr lvl="0"/>
+            <a:r>
+              <a:rPr lang="en-US"/>
+              <a:t>Click to edit Master text styles</a:t>
+            </a:r>
+            <a:endParaRPr lang="en-US"/>
+          </a:p>
+        </p:txBody>
+      </p:sp>
+      <p:sp>
+        <p:nvSpPr>
+          <p:cNvPr id="5" name="Date Placeholder 4"/>
+          <p:cNvSpPr>
+            <a:spLocks noGrp="1"/>
+          </p:cNvSpPr>
+          <p:nvPr>
+            <p:ph type="dt" sz="half" idx="10"/>
+          </p:nvPr>
+        </p:nvSpPr>
+        <p:spPr/>
+        <p:txBody>
+          <a:bodyPr/>
+          <a:lstStyle/>
+          <a:p>
+            <a:fld id="{D23825CE-EA27-43C6-AB1F-080E7FF7D097}" type="datetimeFigureOut">
+              <a:rPr lang="en-US" smtClean="0"/>
+            </a:fld>
+            <a:endParaRPr lang="en-US" dirty="0"/>
+          </a:p>
+        </p:txBody>
+      </p:sp>
+      <p:sp>
+        <p:nvSpPr>
+          <p:cNvPr id="6" name="Footer Placeholder 5"/>
+          <p:cNvSpPr>
+            <a:spLocks noGrp="1"/>
+          </p:cNvSpPr>
+          <p:nvPr>
+            <p:ph type="ftr" sz="quarter" idx="11"/>
+          </p:nvPr>
+        </p:nvSpPr>
+        <p:spPr/>
+        <p:txBody>
+          <a:bodyPr/>
+          <a:lstStyle/>
+          <a:p>
+            <a:endParaRPr lang="en-US" dirty="0"/>
+          </a:p>
+        </p:txBody>
+      </p:sp>
+      <p:sp>
+        <p:nvSpPr>
+          <p:cNvPr id="7" name="Slide Number Placeholder 6"/>
+          <p:cNvSpPr>
+            <a:spLocks noGrp="1"/>
+          </p:cNvSpPr>
+          <p:nvPr>
+            <p:ph type="sldNum" sz="quarter" idx="12"/>
+          </p:nvPr>
+        </p:nvSpPr>
+        <p:spPr/>
+        <p:txBody>
+          <a:bodyPr/>
+          <a:lstStyle/>
+          <a:p>
+            <a:fld id="{49C557A5-E416-4952-AD0C-7AF552945DF5}" type="slidenum">
+              <a:rPr lang="en-US" smtClean="0"/>
+            </a:fld>
+            <a:endParaRPr lang="en-US" dirty="0"/>
+          </a:p>
+        </p:txBody>
+      </p:sp>
+    </p:spTree>
+  </p:cSld>
+  <p:clrMapOvr>
+    <a:masterClrMapping/>
+  </p:clrMapOvr>
+</p:sldLayout>
+</file>
+
+<file path=ppt/slideLayouts/slideLayout21.xml><?xml version="1.0" encoding="utf-8"?>
+<p:sldLayout xmlns:a="http://schemas.openxmlformats.org/drawingml/2006/main" xmlns:r="http://schemas.openxmlformats.org/officeDocument/2006/relationships" xmlns:p="http://schemas.openxmlformats.org/presentationml/2006/main" type="vertTx" preserve="1">
+  <p:cSld name="Title and Vertical Text">
+    <p:spTree>
+      <p:nvGrpSpPr>
+        <p:cNvPr id="1" name=""/>
+        <p:cNvGrpSpPr/>
+        <p:nvPr/>
+      </p:nvGrpSpPr>
+      <p:grpSpPr>
+        <a:xfrm>
+          <a:off x="0" y="0"/>
+          <a:ext cx="0" cy="0"/>
+          <a:chOff x="0" y="0"/>
+          <a:chExt cx="0" cy="0"/>
+        </a:xfrm>
+      </p:grpSpPr>
+      <p:sp>
+        <p:nvSpPr>
+          <p:cNvPr id="2" name="Title 1"/>
+          <p:cNvSpPr>
+            <a:spLocks noGrp="1"/>
+          </p:cNvSpPr>
+          <p:nvPr>
+            <p:ph type="title"/>
+          </p:nvPr>
+        </p:nvSpPr>
+        <p:spPr/>
+        <p:txBody>
+          <a:bodyPr/>
+          <a:lstStyle/>
+          <a:p>
+            <a:r>
+              <a:rPr lang="en-US"/>
+              <a:t>Click to edit Master title style</a:t>
+            </a:r>
+            <a:endParaRPr lang="en-US"/>
+          </a:p>
+        </p:txBody>
+      </p:sp>
+      <p:sp>
+        <p:nvSpPr>
+          <p:cNvPr id="3" name="Vertical Text Placeholder 2"/>
+          <p:cNvSpPr>
+            <a:spLocks noGrp="1"/>
+          </p:cNvSpPr>
+          <p:nvPr>
+            <p:ph type="body" orient="vert" idx="1"/>
+          </p:nvPr>
+        </p:nvSpPr>
+        <p:spPr/>
+        <p:txBody>
+          <a:bodyPr vert="eaVert"/>
+          <a:lstStyle/>
+          <a:p>
+            <a:pPr lvl="0"/>
+            <a:r>
+              <a:rPr lang="en-US"/>
+              <a:t>Click to edit Master text styles</a:t>
+            </a:r>
+            <a:endParaRPr lang="en-US"/>
+          </a:p>
+          <a:p>
+            <a:pPr lvl="1"/>
+            <a:r>
+              <a:rPr lang="en-US"/>
+              <a:t>Second level</a:t>
+            </a:r>
+            <a:endParaRPr lang="en-US"/>
+          </a:p>
+          <a:p>
+            <a:pPr lvl="2"/>
+            <a:r>
+              <a:rPr lang="en-US"/>
+              <a:t>Third level</a:t>
+            </a:r>
+            <a:endParaRPr lang="en-US"/>
+          </a:p>
+          <a:p>
+            <a:pPr lvl="3"/>
+            <a:r>
+              <a:rPr lang="en-US"/>
+              <a:t>Fourth level</a:t>
+            </a:r>
+            <a:endParaRPr lang="en-US"/>
+          </a:p>
+          <a:p>
+            <a:pPr lvl="4"/>
+            <a:r>
+              <a:rPr lang="en-US"/>
+              <a:t>Fifth level</a:t>
+            </a:r>
+            <a:endParaRPr lang="en-US"/>
+          </a:p>
+        </p:txBody>
+      </p:sp>
+      <p:sp>
+        <p:nvSpPr>
+          <p:cNvPr id="4" name="Date Placeholder 3"/>
+          <p:cNvSpPr>
+            <a:spLocks noGrp="1"/>
+          </p:cNvSpPr>
+          <p:nvPr>
+            <p:ph type="dt" sz="half" idx="10"/>
+          </p:nvPr>
+        </p:nvSpPr>
+        <p:spPr/>
+        <p:txBody>
+          <a:bodyPr/>
+          <a:lstStyle/>
+          <a:p>
+            <a:fld id="{D23825CE-EA27-43C6-AB1F-080E7FF7D097}" type="datetimeFigureOut">
+              <a:rPr lang="en-US" smtClean="0"/>
+            </a:fld>
+            <a:endParaRPr lang="en-US" dirty="0"/>
+          </a:p>
+        </p:txBody>
+      </p:sp>
+      <p:sp>
+        <p:nvSpPr>
+          <p:cNvPr id="5" name="Footer Placeholder 4"/>
+          <p:cNvSpPr>
+            <a:spLocks noGrp="1"/>
+          </p:cNvSpPr>
+          <p:nvPr>
+            <p:ph type="ftr" sz="quarter" idx="11"/>
+          </p:nvPr>
+        </p:nvSpPr>
+        <p:spPr/>
+        <p:txBody>
+          <a:bodyPr/>
+          <a:lstStyle/>
+          <a:p>
+            <a:endParaRPr lang="en-US" dirty="0"/>
+          </a:p>
+        </p:txBody>
+      </p:sp>
+      <p:sp>
+        <p:nvSpPr>
+          <p:cNvPr id="6" name="Slide Number Placeholder 5"/>
+          <p:cNvSpPr>
+            <a:spLocks noGrp="1"/>
+          </p:cNvSpPr>
+          <p:nvPr>
+            <p:ph type="sldNum" sz="quarter" idx="12"/>
+          </p:nvPr>
+        </p:nvSpPr>
+        <p:spPr/>
+        <p:txBody>
+          <a:bodyPr/>
+          <a:lstStyle/>
+          <a:p>
+            <a:fld id="{49C557A5-E416-4952-AD0C-7AF552945DF5}" type="slidenum">
+              <a:rPr lang="en-US" smtClean="0"/>
+            </a:fld>
+            <a:endParaRPr lang="en-US" dirty="0"/>
+          </a:p>
+        </p:txBody>
+      </p:sp>
+    </p:spTree>
+  </p:cSld>
+  <p:clrMapOvr>
+    <a:masterClrMapping/>
+  </p:clrMapOvr>
+</p:sldLayout>
+</file>
+
+<file path=ppt/slideLayouts/slideLayout22.xml><?xml version="1.0" encoding="utf-8"?>
+<p:sldLayout xmlns:a="http://schemas.openxmlformats.org/drawingml/2006/main" xmlns:r="http://schemas.openxmlformats.org/officeDocument/2006/relationships" xmlns:p="http://schemas.openxmlformats.org/presentationml/2006/main" type="vertTitleAndTx" preserve="1">
+  <p:cSld name="Vertical Title and Text">
+    <p:spTree>
+      <p:nvGrpSpPr>
+        <p:cNvPr id="1" name=""/>
+        <p:cNvGrpSpPr/>
+        <p:nvPr/>
+      </p:nvGrpSpPr>
+      <p:grpSpPr>
+        <a:xfrm>
+          <a:off x="0" y="0"/>
+          <a:ext cx="0" cy="0"/>
+          <a:chOff x="0" y="0"/>
+          <a:chExt cx="0" cy="0"/>
+        </a:xfrm>
+      </p:grpSpPr>
+      <p:sp>
+        <p:nvSpPr>
+          <p:cNvPr id="7" name="Rectangle 6"/>
+          <p:cNvSpPr/>
+          <p:nvPr userDrawn="1"/>
+        </p:nvSpPr>
+        <p:spPr>
+          <a:xfrm>
+            <a:off x="0" y="0"/>
+            <a:ext cx="12192000" cy="6858000"/>
+          </a:xfrm>
+          <a:prstGeom prst="rect">
+            <a:avLst/>
+          </a:prstGeom>
+          <a:gradFill>
+            <a:gsLst>
+              <a:gs pos="60000">
+                <a:schemeClr val="bg1"/>
+              </a:gs>
+              <a:gs pos="37000">
+                <a:srgbClr val="F5F5F5"/>
+              </a:gs>
+              <a:gs pos="0">
+                <a:srgbClr val="B2B2B2"/>
+              </a:gs>
+              <a:gs pos="100000">
+                <a:srgbClr val="D4D4D4">
+                  <a:lumMod val="96000"/>
+                </a:srgbClr>
+              </a:gs>
+            </a:gsLst>
+            <a:lin ang="14700000" scaled="0"/>
+          </a:gradFill>
+        </p:spPr>
+        <p:style>
+          <a:lnRef idx="2">
+            <a:schemeClr val="accent1">
+              <a:shade val="50000"/>
+            </a:schemeClr>
+          </a:lnRef>
+          <a:fillRef idx="1">
+            <a:schemeClr val="accent1"/>
+          </a:fillRef>
+          <a:effectRef idx="0">
+            <a:schemeClr val="accent1"/>
+          </a:effectRef>
+          <a:fontRef idx="minor">
+            <a:schemeClr val="lt1"/>
+          </a:fontRef>
+        </p:style>
+        <p:txBody>
+          <a:bodyPr rtlCol="0" anchor="ctr"/>
+          <a:lstStyle/>
+          <a:p>
+            <a:pPr algn="ctr"/>
+            <a:endParaRPr lang="en-US" dirty="0"/>
+          </a:p>
+        </p:txBody>
+      </p:sp>
+      <p:pic>
+        <p:nvPicPr>
+          <p:cNvPr id="9" name="Graphic 8"/>
+          <p:cNvPicPr>
+            <a:picLocks noChangeAspect="1"/>
+          </p:cNvPicPr>
+          <p:nvPr userDrawn="1"/>
+        </p:nvPicPr>
+        <p:blipFill>
+          <a:blip r:embed="rId2">
+            <a:extLst>
+              <a:ext uri="{28A0092B-C50C-407E-A947-70E740481C1C}">
+                <a14:useLocalDpi xmlns:a14="http://schemas.microsoft.com/office/drawing/2010/main" val="0"/>
+              </a:ext>
+              <a:ext uri="{96DAC541-7B7A-43D3-8B79-37D633B846F1}">
+                <asvg:svgBlip xmlns:asvg="http://schemas.microsoft.com/office/drawing/2016/SVG/main" r:embed="rId3"/>
+              </a:ext>
+            </a:extLst>
+          </a:blip>
+          <a:stretch>
+            <a:fillRect/>
+          </a:stretch>
+        </p:blipFill>
+        <p:spPr>
+          <a:xfrm>
+            <a:off x="10078872" y="4702400"/>
+            <a:ext cx="2031312" cy="2031312"/>
+          </a:xfrm>
+          <a:prstGeom prst="rect">
+            <a:avLst/>
+          </a:prstGeom>
+        </p:spPr>
+      </p:pic>
+      <p:pic>
+        <p:nvPicPr>
+          <p:cNvPr id="10" name="Graphic 9"/>
+          <p:cNvPicPr>
+            <a:picLocks noChangeAspect="1"/>
+          </p:cNvPicPr>
+          <p:nvPr userDrawn="1"/>
+        </p:nvPicPr>
+        <p:blipFill>
+          <a:blip r:embed="rId4">
+            <a:extLst>
+              <a:ext uri="{28A0092B-C50C-407E-A947-70E740481C1C}">
+                <a14:useLocalDpi xmlns:a14="http://schemas.microsoft.com/office/drawing/2010/main" val="0"/>
+              </a:ext>
+              <a:ext uri="{96DAC541-7B7A-43D3-8B79-37D633B846F1}">
+                <asvg:svgBlip xmlns:asvg="http://schemas.microsoft.com/office/drawing/2016/SVG/main" r:embed="rId5"/>
+              </a:ext>
+            </a:extLst>
+          </a:blip>
+          <a:stretch>
+            <a:fillRect/>
+          </a:stretch>
+        </p:blipFill>
+        <p:spPr>
+          <a:xfrm>
+            <a:off x="188510" y="132658"/>
+            <a:ext cx="6625920" cy="522240"/>
+          </a:xfrm>
+          <a:prstGeom prst="rect">
+            <a:avLst/>
+          </a:prstGeom>
+        </p:spPr>
+      </p:pic>
+      <p:sp>
+        <p:nvSpPr>
+          <p:cNvPr id="2" name="Vertical Title 1"/>
+          <p:cNvSpPr>
+            <a:spLocks noGrp="1"/>
+          </p:cNvSpPr>
+          <p:nvPr>
+            <p:ph type="title" orient="vert"/>
+          </p:nvPr>
+        </p:nvSpPr>
+        <p:spPr>
+          <a:xfrm>
+            <a:off x="8724900" y="682387"/>
+            <a:ext cx="2628900" cy="5494575"/>
+          </a:xfrm>
+        </p:spPr>
+        <p:txBody>
+          <a:bodyPr vert="eaVert"/>
+          <a:lstStyle/>
+          <a:p>
+            <a:r>
+              <a:rPr lang="en-US"/>
+              <a:t>Click to edit Master title style</a:t>
+            </a:r>
+            <a:endParaRPr lang="en-US"/>
+          </a:p>
+        </p:txBody>
+      </p:sp>
+      <p:sp>
+        <p:nvSpPr>
+          <p:cNvPr id="3" name="Vertical Text Placeholder 2"/>
+          <p:cNvSpPr>
+            <a:spLocks noGrp="1"/>
+          </p:cNvSpPr>
+          <p:nvPr>
+            <p:ph type="body" orient="vert" idx="1"/>
+          </p:nvPr>
+        </p:nvSpPr>
+        <p:spPr>
+          <a:xfrm>
+            <a:off x="838200" y="682387"/>
+            <a:ext cx="7734300" cy="5494575"/>
+          </a:xfrm>
+        </p:spPr>
+        <p:txBody>
+          <a:bodyPr vert="eaVert"/>
+          <a:lstStyle/>
+          <a:p>
+            <a:pPr lvl="0"/>
+            <a:r>
+              <a:rPr lang="en-US"/>
+              <a:t>Click to edit Master text styles</a:t>
+            </a:r>
+            <a:endParaRPr lang="en-US"/>
+          </a:p>
+          <a:p>
+            <a:pPr lvl="1"/>
+            <a:r>
+              <a:rPr lang="en-US"/>
+              <a:t>Second level</a:t>
+            </a:r>
+            <a:endParaRPr lang="en-US"/>
+          </a:p>
+          <a:p>
+            <a:pPr lvl="2"/>
+            <a:r>
+              <a:rPr lang="en-US"/>
+              <a:t>Third level</a:t>
+            </a:r>
+            <a:endParaRPr lang="en-US"/>
+          </a:p>
+          <a:p>
+            <a:pPr lvl="3"/>
+            <a:r>
+              <a:rPr lang="en-US"/>
+              <a:t>Fourth level</a:t>
+            </a:r>
+            <a:endParaRPr lang="en-US"/>
+          </a:p>
+          <a:p>
+            <a:pPr lvl="4"/>
+            <a:r>
+              <a:rPr lang="en-US"/>
+              <a:t>Fifth level</a:t>
+            </a:r>
+            <a:endParaRPr lang="en-US" dirty="0"/>
+          </a:p>
+        </p:txBody>
+      </p:sp>
+      <p:sp>
+        <p:nvSpPr>
+          <p:cNvPr id="4" name="Date Placeholder 3"/>
+          <p:cNvSpPr>
+            <a:spLocks noGrp="1"/>
+          </p:cNvSpPr>
+          <p:nvPr>
+            <p:ph type="dt" sz="half" idx="10"/>
+          </p:nvPr>
+        </p:nvSpPr>
+        <p:spPr/>
+        <p:txBody>
+          <a:bodyPr/>
+          <a:lstStyle/>
+          <a:p>
+            <a:fld id="{D23825CE-EA27-43C6-AB1F-080E7FF7D097}" type="datetimeFigureOut">
+              <a:rPr lang="en-US" smtClean="0"/>
+            </a:fld>
+            <a:endParaRPr lang="en-US" dirty="0"/>
+          </a:p>
+        </p:txBody>
+      </p:sp>
+      <p:sp>
+        <p:nvSpPr>
+          <p:cNvPr id="5" name="Footer Placeholder 4"/>
+          <p:cNvSpPr>
+            <a:spLocks noGrp="1"/>
+          </p:cNvSpPr>
+          <p:nvPr>
+            <p:ph type="ftr" sz="quarter" idx="11"/>
+          </p:nvPr>
+        </p:nvSpPr>
+        <p:spPr/>
+        <p:txBody>
+          <a:bodyPr/>
+          <a:lstStyle/>
+          <a:p>
+            <a:endParaRPr lang="en-US" dirty="0"/>
+          </a:p>
+        </p:txBody>
+      </p:sp>
+      <p:sp>
+        <p:nvSpPr>
+          <p:cNvPr id="6" name="Slide Number Placeholder 5"/>
+          <p:cNvSpPr>
+            <a:spLocks noGrp="1"/>
+          </p:cNvSpPr>
+          <p:nvPr>
+            <p:ph type="sldNum" sz="quarter" idx="12"/>
+          </p:nvPr>
+        </p:nvSpPr>
+        <p:spPr/>
+        <p:txBody>
+          <a:bodyPr/>
+          <a:lstStyle/>
+          <a:p>
+            <a:fld id="{49C557A5-E416-4952-AD0C-7AF552945DF5}" type="slidenum">
+              <a:rPr lang="en-US" smtClean="0"/>
+            </a:fld>
+            <a:endParaRPr lang="en-US" dirty="0"/>
+          </a:p>
+        </p:txBody>
+      </p:sp>
     </p:spTree>
   </p:cSld>
   <p:clrMapOvr>
@@ -3643,6 +6791,677 @@
     <p:sldLayoutId id="2147483657" r:id="rId9"/>
     <p:sldLayoutId id="2147483658" r:id="rId10"/>
     <p:sldLayoutId id="2147483659" r:id="rId11"/>
+  </p:sldLayoutIdLst>
+  <p:txStyles>
+    <p:titleStyle>
+      <a:lvl1pPr algn="l" defTabSz="914400" rtl="0" eaLnBrk="1" latinLnBrk="0" hangingPunct="1">
+        <a:lnSpc>
+          <a:spcPct val="90000"/>
+        </a:lnSpc>
+        <a:spcBef>
+          <a:spcPct val="0"/>
+        </a:spcBef>
+        <a:buNone/>
+        <a:defRPr sz="4400" kern="1200">
+          <a:solidFill>
+            <a:schemeClr val="tx1"/>
+          </a:solidFill>
+          <a:latin typeface="+mj-lt"/>
+          <a:ea typeface="+mj-ea"/>
+          <a:cs typeface="+mj-cs"/>
+        </a:defRPr>
+      </a:lvl1pPr>
+    </p:titleStyle>
+    <p:bodyStyle>
+      <a:lvl1pPr marL="341630" indent="-341630" algn="l" defTabSz="914400" rtl="0" eaLnBrk="1" latinLnBrk="0" hangingPunct="1">
+        <a:lnSpc>
+          <a:spcPct val="110000"/>
+        </a:lnSpc>
+        <a:spcBef>
+          <a:spcPts val="1000"/>
+        </a:spcBef>
+        <a:buSzPct val="100000"/>
+        <a:buFont typeface="Wingdings" panose="05000000000000000000" pitchFamily="2" charset="2"/>
+        <a:buChar char=""/>
+        <a:defRPr sz="3200" kern="1200">
+          <a:solidFill>
+            <a:schemeClr val="tx1"/>
+          </a:solidFill>
+          <a:latin typeface="+mn-lt"/>
+          <a:ea typeface="+mn-ea"/>
+          <a:cs typeface="+mn-cs"/>
+        </a:defRPr>
+      </a:lvl1pPr>
+      <a:lvl2pPr marL="744855" indent="-287655" algn="l" defTabSz="914400" rtl="0" eaLnBrk="1" latinLnBrk="0" hangingPunct="1">
+        <a:lnSpc>
+          <a:spcPct val="110000"/>
+        </a:lnSpc>
+        <a:spcBef>
+          <a:spcPts val="500"/>
+        </a:spcBef>
+        <a:buFont typeface="Wingdings" panose="05000000000000000000" pitchFamily="2" charset="2"/>
+        <a:buChar char="§"/>
+        <a:defRPr sz="2800" kern="1200">
+          <a:solidFill>
+            <a:schemeClr val="tx1"/>
+          </a:solidFill>
+          <a:latin typeface="+mn-lt"/>
+          <a:ea typeface="+mn-ea"/>
+          <a:cs typeface="+mn-cs"/>
+        </a:defRPr>
+      </a:lvl2pPr>
+      <a:lvl3pPr marL="1202055" indent="-287655" algn="l" defTabSz="914400" rtl="0" eaLnBrk="1" latinLnBrk="0" hangingPunct="1">
+        <a:lnSpc>
+          <a:spcPct val="110000"/>
+        </a:lnSpc>
+        <a:spcBef>
+          <a:spcPts val="500"/>
+        </a:spcBef>
+        <a:buSzPct val="80000"/>
+        <a:buFont typeface="Wingdings" panose="05000000000000000000" pitchFamily="2" charset="2"/>
+        <a:buChar char="Ø"/>
+        <a:defRPr sz="2400" kern="1200">
+          <a:solidFill>
+            <a:schemeClr val="tx1"/>
+          </a:solidFill>
+          <a:latin typeface="+mn-lt"/>
+          <a:ea typeface="+mn-ea"/>
+          <a:cs typeface="+mn-cs"/>
+        </a:defRPr>
+      </a:lvl3pPr>
+      <a:lvl4pPr marL="1600200" indent="-228600" algn="l" defTabSz="914400" rtl="0" eaLnBrk="1" latinLnBrk="0" hangingPunct="1">
+        <a:lnSpc>
+          <a:spcPct val="110000"/>
+        </a:lnSpc>
+        <a:spcBef>
+          <a:spcPts val="500"/>
+        </a:spcBef>
+        <a:buFont typeface="Source Serif Pro" panose="02040603050405020204" pitchFamily="18" charset="0"/>
+        <a:buChar char="▶"/>
+        <a:defRPr sz="2000" kern="1200">
+          <a:solidFill>
+            <a:schemeClr val="tx1"/>
+          </a:solidFill>
+          <a:latin typeface="+mn-lt"/>
+          <a:ea typeface="+mn-ea"/>
+          <a:cs typeface="+mn-cs"/>
+        </a:defRPr>
+      </a:lvl4pPr>
+      <a:lvl5pPr marL="2057400" indent="-228600" algn="l" defTabSz="914400" rtl="0" eaLnBrk="1" latinLnBrk="0" hangingPunct="1">
+        <a:lnSpc>
+          <a:spcPct val="110000"/>
+        </a:lnSpc>
+        <a:spcBef>
+          <a:spcPts val="500"/>
+        </a:spcBef>
+        <a:buFont typeface="Arial" panose="020B0604020202090204" pitchFamily="34" charset="0"/>
+        <a:buChar char="•"/>
+        <a:defRPr sz="2000" kern="1200">
+          <a:solidFill>
+            <a:schemeClr val="tx1"/>
+          </a:solidFill>
+          <a:latin typeface="+mn-lt"/>
+          <a:ea typeface="+mn-ea"/>
+          <a:cs typeface="+mn-cs"/>
+        </a:defRPr>
+      </a:lvl5pPr>
+      <a:lvl6pPr marL="2514600" indent="-228600" algn="l" defTabSz="914400" rtl="0" eaLnBrk="1" latinLnBrk="0" hangingPunct="1">
+        <a:lnSpc>
+          <a:spcPct val="90000"/>
+        </a:lnSpc>
+        <a:spcBef>
+          <a:spcPts val="500"/>
+        </a:spcBef>
+        <a:buFont typeface="Arial" panose="020B0604020202090204" pitchFamily="34" charset="0"/>
+        <a:buChar char="•"/>
+        <a:defRPr sz="1800" kern="1200">
+          <a:solidFill>
+            <a:schemeClr val="tx1"/>
+          </a:solidFill>
+          <a:latin typeface="+mn-lt"/>
+          <a:ea typeface="+mn-ea"/>
+          <a:cs typeface="+mn-cs"/>
+        </a:defRPr>
+      </a:lvl6pPr>
+      <a:lvl7pPr marL="2971800" indent="-228600" algn="l" defTabSz="914400" rtl="0" eaLnBrk="1" latinLnBrk="0" hangingPunct="1">
+        <a:lnSpc>
+          <a:spcPct val="90000"/>
+        </a:lnSpc>
+        <a:spcBef>
+          <a:spcPts val="500"/>
+        </a:spcBef>
+        <a:buFont typeface="Arial" panose="020B0604020202090204" pitchFamily="34" charset="0"/>
+        <a:buChar char="•"/>
+        <a:defRPr sz="1800" kern="1200">
+          <a:solidFill>
+            <a:schemeClr val="tx1"/>
+          </a:solidFill>
+          <a:latin typeface="+mn-lt"/>
+          <a:ea typeface="+mn-ea"/>
+          <a:cs typeface="+mn-cs"/>
+        </a:defRPr>
+      </a:lvl7pPr>
+      <a:lvl8pPr marL="3429000" indent="-228600" algn="l" defTabSz="914400" rtl="0" eaLnBrk="1" latinLnBrk="0" hangingPunct="1">
+        <a:lnSpc>
+          <a:spcPct val="90000"/>
+        </a:lnSpc>
+        <a:spcBef>
+          <a:spcPts val="500"/>
+        </a:spcBef>
+        <a:buFont typeface="Arial" panose="020B0604020202090204" pitchFamily="34" charset="0"/>
+        <a:buChar char="•"/>
+        <a:defRPr sz="1800" kern="1200">
+          <a:solidFill>
+            <a:schemeClr val="tx1"/>
+          </a:solidFill>
+          <a:latin typeface="+mn-lt"/>
+          <a:ea typeface="+mn-ea"/>
+          <a:cs typeface="+mn-cs"/>
+        </a:defRPr>
+      </a:lvl8pPr>
+      <a:lvl9pPr marL="3886200" indent="-228600" algn="l" defTabSz="914400" rtl="0" eaLnBrk="1" latinLnBrk="0" hangingPunct="1">
+        <a:lnSpc>
+          <a:spcPct val="90000"/>
+        </a:lnSpc>
+        <a:spcBef>
+          <a:spcPts val="500"/>
+        </a:spcBef>
+        <a:buFont typeface="Arial" panose="020B0604020202090204" pitchFamily="34" charset="0"/>
+        <a:buChar char="•"/>
+        <a:defRPr sz="1800" kern="1200">
+          <a:solidFill>
+            <a:schemeClr val="tx1"/>
+          </a:solidFill>
+          <a:latin typeface="+mn-lt"/>
+          <a:ea typeface="+mn-ea"/>
+          <a:cs typeface="+mn-cs"/>
+        </a:defRPr>
+      </a:lvl9pPr>
+    </p:bodyStyle>
+    <p:otherStyle>
+      <a:defPPr>
+        <a:defRPr lang="en-US"/>
+      </a:defPPr>
+      <a:lvl1pPr marL="0" algn="l" defTabSz="914400" rtl="0" eaLnBrk="1" latinLnBrk="0" hangingPunct="1">
+        <a:defRPr sz="1800" kern="1200">
+          <a:solidFill>
+            <a:schemeClr val="tx1"/>
+          </a:solidFill>
+          <a:latin typeface="+mn-lt"/>
+          <a:ea typeface="+mn-ea"/>
+          <a:cs typeface="+mn-cs"/>
+        </a:defRPr>
+      </a:lvl1pPr>
+      <a:lvl2pPr marL="457200" algn="l" defTabSz="914400" rtl="0" eaLnBrk="1" latinLnBrk="0" hangingPunct="1">
+        <a:defRPr sz="1800" kern="1200">
+          <a:solidFill>
+            <a:schemeClr val="tx1"/>
+          </a:solidFill>
+          <a:latin typeface="+mn-lt"/>
+          <a:ea typeface="+mn-ea"/>
+          <a:cs typeface="+mn-cs"/>
+        </a:defRPr>
+      </a:lvl2pPr>
+      <a:lvl3pPr marL="914400" algn="l" defTabSz="914400" rtl="0" eaLnBrk="1" latinLnBrk="0" hangingPunct="1">
+        <a:defRPr sz="1800" kern="1200">
+          <a:solidFill>
+            <a:schemeClr val="tx1"/>
+          </a:solidFill>
+          <a:latin typeface="+mn-lt"/>
+          <a:ea typeface="+mn-ea"/>
+          <a:cs typeface="+mn-cs"/>
+        </a:defRPr>
+      </a:lvl3pPr>
+      <a:lvl4pPr marL="1371600" algn="l" defTabSz="914400" rtl="0" eaLnBrk="1" latinLnBrk="0" hangingPunct="1">
+        <a:defRPr sz="1800" kern="1200">
+          <a:solidFill>
+            <a:schemeClr val="tx1"/>
+          </a:solidFill>
+          <a:latin typeface="+mn-lt"/>
+          <a:ea typeface="+mn-ea"/>
+          <a:cs typeface="+mn-cs"/>
+        </a:defRPr>
+      </a:lvl4pPr>
+      <a:lvl5pPr marL="1828800" algn="l" defTabSz="914400" rtl="0" eaLnBrk="1" latinLnBrk="0" hangingPunct="1">
+        <a:defRPr sz="1800" kern="1200">
+          <a:solidFill>
+            <a:schemeClr val="tx1"/>
+          </a:solidFill>
+          <a:latin typeface="+mn-lt"/>
+          <a:ea typeface="+mn-ea"/>
+          <a:cs typeface="+mn-cs"/>
+        </a:defRPr>
+      </a:lvl5pPr>
+      <a:lvl6pPr marL="2286000" algn="l" defTabSz="914400" rtl="0" eaLnBrk="1" latinLnBrk="0" hangingPunct="1">
+        <a:defRPr sz="1800" kern="1200">
+          <a:solidFill>
+            <a:schemeClr val="tx1"/>
+          </a:solidFill>
+          <a:latin typeface="+mn-lt"/>
+          <a:ea typeface="+mn-ea"/>
+          <a:cs typeface="+mn-cs"/>
+        </a:defRPr>
+      </a:lvl6pPr>
+      <a:lvl7pPr marL="2743200" algn="l" defTabSz="914400" rtl="0" eaLnBrk="1" latinLnBrk="0" hangingPunct="1">
+        <a:defRPr sz="1800" kern="1200">
+          <a:solidFill>
+            <a:schemeClr val="tx1"/>
+          </a:solidFill>
+          <a:latin typeface="+mn-lt"/>
+          <a:ea typeface="+mn-ea"/>
+          <a:cs typeface="+mn-cs"/>
+        </a:defRPr>
+      </a:lvl7pPr>
+      <a:lvl8pPr marL="3200400" algn="l" defTabSz="914400" rtl="0" eaLnBrk="1" latinLnBrk="0" hangingPunct="1">
+        <a:defRPr sz="1800" kern="1200">
+          <a:solidFill>
+            <a:schemeClr val="tx1"/>
+          </a:solidFill>
+          <a:latin typeface="+mn-lt"/>
+          <a:ea typeface="+mn-ea"/>
+          <a:cs typeface="+mn-cs"/>
+        </a:defRPr>
+      </a:lvl8pPr>
+      <a:lvl9pPr marL="3657600" algn="l" defTabSz="914400" rtl="0" eaLnBrk="1" latinLnBrk="0" hangingPunct="1">
+        <a:defRPr sz="1800" kern="1200">
+          <a:solidFill>
+            <a:schemeClr val="tx1"/>
+          </a:solidFill>
+          <a:latin typeface="+mn-lt"/>
+          <a:ea typeface="+mn-ea"/>
+          <a:cs typeface="+mn-cs"/>
+        </a:defRPr>
+      </a:lvl9pPr>
+    </p:otherStyle>
+  </p:txStyles>
+</p:sldMaster>
+</file>
+
+<file path=ppt/slideMasters/slideMaster2.xml><?xml version="1.0" encoding="utf-8"?>
+<p:sldMaster xmlns:a="http://schemas.openxmlformats.org/drawingml/2006/main" xmlns:r="http://schemas.openxmlformats.org/officeDocument/2006/relationships" xmlns:p="http://schemas.openxmlformats.org/presentationml/2006/main">
+  <p:cSld>
+    <p:bg>
+      <p:bgPr>
+        <a:gradFill flip="none" rotWithShape="1">
+          <a:gsLst>
+            <a:gs pos="60000">
+              <a:schemeClr val="bg1"/>
+            </a:gs>
+            <a:gs pos="37000">
+              <a:srgbClr val="F5F5F5"/>
+            </a:gs>
+            <a:gs pos="0">
+              <a:srgbClr val="B2B2B2"/>
+            </a:gs>
+            <a:gs pos="100000">
+              <a:srgbClr val="D4D4D4">
+                <a:lumMod val="96000"/>
+              </a:srgbClr>
+            </a:gs>
+          </a:gsLst>
+          <a:lin ang="14700000" scaled="0"/>
+          <a:tileRect/>
+        </a:gradFill>
+        <a:effectLst/>
+      </p:bgPr>
+    </p:bg>
+    <p:spTree>
+      <p:nvGrpSpPr>
+        <p:cNvPr id="1" name=""/>
+        <p:cNvGrpSpPr/>
+        <p:nvPr/>
+      </p:nvGrpSpPr>
+      <p:grpSpPr>
+        <a:xfrm>
+          <a:off x="0" y="0"/>
+          <a:ext cx="0" cy="0"/>
+          <a:chOff x="0" y="0"/>
+          <a:chExt cx="0" cy="0"/>
+        </a:xfrm>
+      </p:grpSpPr>
+      <p:sp>
+        <p:nvSpPr>
+          <p:cNvPr id="11" name="Rectangle 10"/>
+          <p:cNvSpPr/>
+          <p:nvPr userDrawn="1"/>
+        </p:nvSpPr>
+        <p:spPr>
+          <a:xfrm>
+            <a:off x="8690" y="990600"/>
+            <a:ext cx="11497510" cy="762000"/>
+          </a:xfrm>
+          <a:prstGeom prst="rect">
+            <a:avLst/>
+          </a:prstGeom>
+          <a:solidFill>
+            <a:srgbClr val="D7D7D7"/>
+          </a:solidFill>
+          <a:ln>
+            <a:noFill/>
+          </a:ln>
+        </p:spPr>
+        <p:style>
+          <a:lnRef idx="2">
+            <a:schemeClr val="accent1">
+              <a:shade val="50000"/>
+            </a:schemeClr>
+          </a:lnRef>
+          <a:fillRef idx="1">
+            <a:schemeClr val="accent1"/>
+          </a:fillRef>
+          <a:effectRef idx="0">
+            <a:schemeClr val="accent1"/>
+          </a:effectRef>
+          <a:fontRef idx="minor">
+            <a:schemeClr val="lt1"/>
+          </a:fontRef>
+        </p:style>
+        <p:txBody>
+          <a:bodyPr rtlCol="0" anchor="ctr"/>
+          <a:lstStyle/>
+          <a:p>
+            <a:pPr algn="ctr"/>
+            <a:endParaRPr lang="en-US" dirty="0"/>
+          </a:p>
+        </p:txBody>
+      </p:sp>
+      <p:pic>
+        <p:nvPicPr>
+          <p:cNvPr id="14" name="Graphic 13"/>
+          <p:cNvPicPr>
+            <a:picLocks noChangeAspect="1"/>
+          </p:cNvPicPr>
+          <p:nvPr userDrawn="1"/>
+        </p:nvPicPr>
+        <p:blipFill>
+          <a:blip r:embed="rId12">
+            <a:extLst>
+              <a:ext uri="{28A0092B-C50C-407E-A947-70E740481C1C}">
+                <a14:useLocalDpi xmlns:a14="http://schemas.microsoft.com/office/drawing/2010/main" val="0"/>
+              </a:ext>
+              <a:ext uri="{96DAC541-7B7A-43D3-8B79-37D633B846F1}">
+                <asvg:svgBlip xmlns:asvg="http://schemas.microsoft.com/office/drawing/2016/SVG/main" r:embed="rId13"/>
+              </a:ext>
+            </a:extLst>
+          </a:blip>
+          <a:stretch>
+            <a:fillRect/>
+          </a:stretch>
+        </p:blipFill>
+        <p:spPr>
+          <a:xfrm>
+            <a:off x="10078872" y="4702400"/>
+            <a:ext cx="2031312" cy="2031312"/>
+          </a:xfrm>
+          <a:prstGeom prst="rect">
+            <a:avLst/>
+          </a:prstGeom>
+        </p:spPr>
+      </p:pic>
+      <p:sp>
+        <p:nvSpPr>
+          <p:cNvPr id="2" name="Title Placeholder 1"/>
+          <p:cNvSpPr>
+            <a:spLocks noGrp="1"/>
+          </p:cNvSpPr>
+          <p:nvPr>
+            <p:ph type="title"/>
+          </p:nvPr>
+        </p:nvSpPr>
+        <p:spPr>
+          <a:xfrm>
+            <a:off x="838200" y="838153"/>
+            <a:ext cx="10515600" cy="1105023"/>
+          </a:xfrm>
+          <a:prstGeom prst="rect">
+            <a:avLst/>
+          </a:prstGeom>
+        </p:spPr>
+        <p:txBody>
+          <a:bodyPr vert="horz" lIns="91440" tIns="45720" rIns="91440" bIns="45720" rtlCol="0" anchor="ctr">
+            <a:normAutofit/>
+          </a:bodyPr>
+          <a:lstStyle/>
+          <a:p>
+            <a:r>
+              <a:rPr lang="en-US"/>
+              <a:t>Click to edit Master title style</a:t>
+            </a:r>
+            <a:endParaRPr lang="en-US" dirty="0"/>
+          </a:p>
+        </p:txBody>
+      </p:sp>
+      <p:sp>
+        <p:nvSpPr>
+          <p:cNvPr id="3" name="Text Placeholder 2"/>
+          <p:cNvSpPr>
+            <a:spLocks noGrp="1"/>
+          </p:cNvSpPr>
+          <p:nvPr>
+            <p:ph type="body" idx="1"/>
+          </p:nvPr>
+        </p:nvSpPr>
+        <p:spPr>
+          <a:xfrm>
+            <a:off x="838200" y="2190465"/>
+            <a:ext cx="10515600" cy="3986497"/>
+          </a:xfrm>
+          <a:prstGeom prst="rect">
+            <a:avLst/>
+          </a:prstGeom>
+        </p:spPr>
+        <p:txBody>
+          <a:bodyPr vert="horz" lIns="91440" tIns="45720" rIns="91440" bIns="45720" rtlCol="0">
+            <a:normAutofit/>
+          </a:bodyPr>
+          <a:lstStyle/>
+          <a:p>
+            <a:pPr lvl="0"/>
+            <a:r>
+              <a:rPr lang="en-US"/>
+              <a:t>Click to edit Master text styles</a:t>
+            </a:r>
+            <a:endParaRPr lang="en-US"/>
+          </a:p>
+          <a:p>
+            <a:pPr lvl="1"/>
+            <a:r>
+              <a:rPr lang="en-US"/>
+              <a:t>Second level</a:t>
+            </a:r>
+            <a:endParaRPr lang="en-US"/>
+          </a:p>
+          <a:p>
+            <a:pPr lvl="2"/>
+            <a:r>
+              <a:rPr lang="en-US"/>
+              <a:t>Third level</a:t>
+            </a:r>
+            <a:endParaRPr lang="en-US"/>
+          </a:p>
+          <a:p>
+            <a:pPr lvl="3"/>
+            <a:r>
+              <a:rPr lang="en-US"/>
+              <a:t>Fourth level</a:t>
+            </a:r>
+            <a:endParaRPr lang="en-US"/>
+          </a:p>
+          <a:p>
+            <a:pPr lvl="4"/>
+            <a:r>
+              <a:rPr lang="en-US"/>
+              <a:t>Fifth level</a:t>
+            </a:r>
+            <a:endParaRPr lang="en-US" dirty="0"/>
+          </a:p>
+        </p:txBody>
+      </p:sp>
+      <p:sp>
+        <p:nvSpPr>
+          <p:cNvPr id="4" name="Date Placeholder 3"/>
+          <p:cNvSpPr>
+            <a:spLocks noGrp="1"/>
+          </p:cNvSpPr>
+          <p:nvPr>
+            <p:ph type="dt" sz="half" idx="2"/>
+          </p:nvPr>
+        </p:nvSpPr>
+        <p:spPr>
+          <a:xfrm>
+            <a:off x="838200" y="6356350"/>
+            <a:ext cx="2743200" cy="365125"/>
+          </a:xfrm>
+          <a:prstGeom prst="rect">
+            <a:avLst/>
+          </a:prstGeom>
+        </p:spPr>
+        <p:txBody>
+          <a:bodyPr vert="horz" lIns="91440" tIns="45720" rIns="91440" bIns="45720" rtlCol="0" anchor="ctr"/>
+          <a:lstStyle>
+            <a:lvl1pPr algn="l">
+              <a:defRPr sz="1200">
+                <a:solidFill>
+                  <a:schemeClr val="tx1">
+                    <a:tint val="75000"/>
+                  </a:schemeClr>
+                </a:solidFill>
+              </a:defRPr>
+            </a:lvl1pPr>
+          </a:lstStyle>
+          <a:p>
+            <a:fld id="{D23825CE-EA27-43C6-AB1F-080E7FF7D097}" type="datetimeFigureOut">
+              <a:rPr lang="en-US" smtClean="0"/>
+            </a:fld>
+            <a:endParaRPr lang="en-US" dirty="0"/>
+          </a:p>
+        </p:txBody>
+      </p:sp>
+      <p:sp>
+        <p:nvSpPr>
+          <p:cNvPr id="5" name="Footer Placeholder 4"/>
+          <p:cNvSpPr>
+            <a:spLocks noGrp="1"/>
+          </p:cNvSpPr>
+          <p:nvPr>
+            <p:ph type="ftr" sz="quarter" idx="3"/>
+          </p:nvPr>
+        </p:nvSpPr>
+        <p:spPr>
+          <a:xfrm>
+            <a:off x="4038600" y="6356350"/>
+            <a:ext cx="4114800" cy="365125"/>
+          </a:xfrm>
+          <a:prstGeom prst="rect">
+            <a:avLst/>
+          </a:prstGeom>
+        </p:spPr>
+        <p:txBody>
+          <a:bodyPr vert="horz" lIns="91440" tIns="45720" rIns="91440" bIns="45720" rtlCol="0" anchor="ctr"/>
+          <a:lstStyle>
+            <a:lvl1pPr algn="ctr">
+              <a:defRPr sz="1200">
+                <a:solidFill>
+                  <a:schemeClr val="tx1">
+                    <a:tint val="75000"/>
+                  </a:schemeClr>
+                </a:solidFill>
+              </a:defRPr>
+            </a:lvl1pPr>
+          </a:lstStyle>
+          <a:p>
+            <a:endParaRPr lang="en-US" dirty="0"/>
+          </a:p>
+        </p:txBody>
+      </p:sp>
+      <p:sp>
+        <p:nvSpPr>
+          <p:cNvPr id="6" name="Slide Number Placeholder 5"/>
+          <p:cNvSpPr>
+            <a:spLocks noGrp="1"/>
+          </p:cNvSpPr>
+          <p:nvPr>
+            <p:ph type="sldNum" sz="quarter" idx="4"/>
+          </p:nvPr>
+        </p:nvSpPr>
+        <p:spPr>
+          <a:xfrm>
+            <a:off x="8610600" y="6356350"/>
+            <a:ext cx="1652516" cy="365125"/>
+          </a:xfrm>
+          <a:prstGeom prst="rect">
+            <a:avLst/>
+          </a:prstGeom>
+        </p:spPr>
+        <p:txBody>
+          <a:bodyPr vert="horz" lIns="91440" tIns="45720" rIns="91440" bIns="45720" rtlCol="0" anchor="ctr"/>
+          <a:lstStyle>
+            <a:lvl1pPr algn="r">
+              <a:defRPr sz="1200">
+                <a:solidFill>
+                  <a:schemeClr val="tx1">
+                    <a:tint val="75000"/>
+                  </a:schemeClr>
+                </a:solidFill>
+              </a:defRPr>
+            </a:lvl1pPr>
+          </a:lstStyle>
+          <a:p>
+            <a:fld id="{49C557A5-E416-4952-AD0C-7AF552945DF5}" type="slidenum">
+              <a:rPr lang="en-US" smtClean="0"/>
+            </a:fld>
+            <a:endParaRPr lang="en-US" dirty="0"/>
+          </a:p>
+        </p:txBody>
+      </p:sp>
+      <p:pic>
+        <p:nvPicPr>
+          <p:cNvPr id="10" name="Graphic 9"/>
+          <p:cNvPicPr>
+            <a:picLocks noChangeAspect="1"/>
+          </p:cNvPicPr>
+          <p:nvPr userDrawn="1"/>
+        </p:nvPicPr>
+        <p:blipFill>
+          <a:blip r:embed="rId14">
+            <a:extLst>
+              <a:ext uri="{28A0092B-C50C-407E-A947-70E740481C1C}">
+                <a14:useLocalDpi xmlns:a14="http://schemas.microsoft.com/office/drawing/2010/main" val="0"/>
+              </a:ext>
+              <a:ext uri="{96DAC541-7B7A-43D3-8B79-37D633B846F1}">
+                <asvg:svgBlip xmlns:asvg="http://schemas.microsoft.com/office/drawing/2016/SVG/main" r:embed="rId15"/>
+              </a:ext>
+            </a:extLst>
+          </a:blip>
+          <a:stretch>
+            <a:fillRect/>
+          </a:stretch>
+        </p:blipFill>
+        <p:spPr>
+          <a:xfrm>
+            <a:off x="188510" y="132658"/>
+            <a:ext cx="6625920" cy="522240"/>
+          </a:xfrm>
+          <a:prstGeom prst="rect">
+            <a:avLst/>
+          </a:prstGeom>
+        </p:spPr>
+      </p:pic>
+    </p:spTree>
+  </p:cSld>
+  <p:clrMap bg1="lt1" tx1="dk1" bg2="lt2" tx2="dk2" accent1="accent1" accent2="accent2" accent3="accent3" accent4="accent4" accent5="accent5" accent6="accent6" hlink="hlink" folHlink="folHlink"/>
+  <p:sldLayoutIdLst>
+    <p:sldLayoutId id="2147483661" r:id="rId1"/>
+    <p:sldLayoutId id="2147483662" r:id="rId2"/>
+    <p:sldLayoutId id="2147483663" r:id="rId3"/>
+    <p:sldLayoutId id="2147483664" r:id="rId4"/>
+    <p:sldLayoutId id="2147483665" r:id="rId5"/>
+    <p:sldLayoutId id="2147483666" r:id="rId6"/>
+    <p:sldLayoutId id="2147483667" r:id="rId7"/>
+    <p:sldLayoutId id="2147483668" r:id="rId8"/>
+    <p:sldLayoutId id="2147483669" r:id="rId9"/>
+    <p:sldLayoutId id="2147483670" r:id="rId10"/>
+    <p:sldLayoutId id="2147483671" r:id="rId11"/>
   </p:sldLayoutIdLst>
   <p:txStyles>
     <p:titleStyle>
@@ -4050,10 +7869,16 @@
           <a:lstStyle/>
           <a:p>
             <a:r>
-              <a:rPr lang="en-US" dirty="0"/>
-              <a:t>Objectives</a:t>
-            </a:r>
-            <a:endParaRPr lang="en-US" dirty="0"/>
+              <a:rPr lang="zh-CN" altLang="en-US" dirty="0">
+                <a:latin typeface="微软雅黑" charset="0"/>
+                <a:ea typeface="微软雅黑" charset="0"/>
+              </a:rPr>
+              <a:t>Test requirements Summary</a:t>
+            </a:r>
+            <a:endParaRPr lang="zh-CN" altLang="en-US" dirty="0">
+              <a:latin typeface="微软雅黑" charset="0"/>
+              <a:ea typeface="微软雅黑" charset="0"/>
+            </a:endParaRPr>
           </a:p>
         </p:txBody>
       </p:sp>
@@ -4069,7 +7894,74 @@
         <p:txBody>
           <a:bodyPr/>
           <a:p>
+            <a:r>
+              <a:rPr lang="zh-CN" altLang="en-US"/>
+              <a:t>What are testing requirements？</a:t>
+            </a:r>
             <a:endParaRPr lang="zh-CN" altLang="en-US"/>
+          </a:p>
+          <a:p>
+            <a:endParaRPr lang="zh-CN" altLang="en-US"/>
+          </a:p>
+          <a:p>
+            <a:r>
+              <a:rPr lang="zh-CN" altLang="en-US"/>
+              <a:t>Characteristics of test requirements</a:t>
+            </a:r>
+            <a:endParaRPr lang="zh-CN" altLang="en-US"/>
+          </a:p>
+          <a:p>
+            <a:endParaRPr lang="zh-CN" altLang="en-US"/>
+          </a:p>
+          <a:p>
+            <a:r>
+              <a:rPr lang="zh-CN" altLang="en-US"/>
+              <a:t>Why need </a:t>
+            </a:r>
+            <a:r>
+              <a:rPr lang="en-US" altLang="zh-CN"/>
+              <a:t>to</a:t>
+            </a:r>
+            <a:r>
+              <a:rPr lang="zh-CN" altLang="en-US"/>
+              <a:t> test requirements</a:t>
+            </a:r>
+            <a:endParaRPr lang="zh-CN" altLang="en-US"/>
+          </a:p>
+        </p:txBody>
+      </p:sp>
+      <p:sp>
+        <p:nvSpPr>
+          <p:cNvPr id="5" name="文本框 4"/>
+          <p:cNvSpPr txBox="1"/>
+          <p:nvPr/>
+        </p:nvSpPr>
+        <p:spPr>
+          <a:xfrm>
+            <a:off x="10434320" y="222250"/>
+            <a:ext cx="1075055" cy="368300"/>
+          </a:xfrm>
+          <a:prstGeom prst="rect">
+            <a:avLst/>
+          </a:prstGeom>
+          <a:noFill/>
+        </p:spPr>
+        <p:txBody>
+          <a:bodyPr wrap="square" rtlCol="0">
+            <a:spAutoFit/>
+          </a:bodyPr>
+          <a:p>
+            <a:r>
+              <a:rPr lang="en-US" altLang="zh-CN">
+                <a:latin typeface="Times New Roman Regular" panose="02020603050405020304" charset="0"/>
+                <a:cs typeface="Times New Roman Regular" panose="02020603050405020304" charset="0"/>
+              </a:rPr>
+              <a:t>Kun Liu</a:t>
+            </a:r>
+            <a:endParaRPr lang="en-US" altLang="zh-CN">
+              <a:latin typeface="Times New Roman Regular" panose="02020603050405020304" charset="0"/>
+              <a:cs typeface="Times New Roman Regular" panose="02020603050405020304" charset="0"/>
+            </a:endParaRPr>
           </a:p>
         </p:txBody>
       </p:sp>
@@ -4110,6 +8002,12 @@
         <p:txBody>
           <a:bodyPr/>
           <a:p>
+            <a:r>
+              <a:rPr lang="zh-CN" altLang="en-US">
+                <a:sym typeface="+mn-ea"/>
+              </a:rPr>
+              <a:t>What are testing requirements？</a:t>
+            </a:r>
             <a:endParaRPr lang="zh-CN" altLang="en-US"/>
           </a:p>
         </p:txBody>
@@ -4124,9 +8022,64 @@
         </p:nvSpPr>
         <p:spPr/>
         <p:txBody>
-          <a:bodyPr/>
-          <a:p>
+          <a:bodyPr>
+            <a:normAutofit fontScale="80000"/>
+          </a:bodyPr>
+          <a:p>
+            <a:r>
+              <a:rPr lang="zh-CN" altLang="en-US"/>
+              <a:t>Test requirements mainly solve the problem of "what to test", that is, to refine the tested object</a:t>
+            </a:r>
             <a:endParaRPr lang="zh-CN" altLang="en-US"/>
+          </a:p>
+          <a:p>
+            <a:r>
+              <a:rPr lang="zh-CN" altLang="en-US"/>
+              <a:t>Test requirements are usually analyzed on the basis of software development requirements, and through the refinement and decomposition of development requirements, testable content is formed</a:t>
+            </a:r>
+            <a:endParaRPr lang="zh-CN" altLang="en-US"/>
+          </a:p>
+          <a:p>
+            <a:r>
+              <a:rPr lang="zh-CN" altLang="en-US"/>
+              <a:t>Test requirements should cover all defined business processes, as well as functional and non-functional requirements</a:t>
+            </a:r>
+            <a:endParaRPr lang="zh-CN" altLang="en-US"/>
+          </a:p>
+        </p:txBody>
+      </p:sp>
+      <p:sp>
+        <p:nvSpPr>
+          <p:cNvPr id="2" name="文本框 1"/>
+          <p:cNvSpPr txBox="1"/>
+          <p:nvPr/>
+        </p:nvSpPr>
+        <p:spPr>
+          <a:xfrm>
+            <a:off x="10434320" y="222250"/>
+            <a:ext cx="1075055" cy="368300"/>
+          </a:xfrm>
+          <a:prstGeom prst="rect">
+            <a:avLst/>
+          </a:prstGeom>
+          <a:noFill/>
+        </p:spPr>
+        <p:txBody>
+          <a:bodyPr wrap="square" rtlCol="0">
+            <a:spAutoFit/>
+          </a:bodyPr>
+          <a:p>
+            <a:r>
+              <a:rPr lang="en-US" altLang="zh-CN">
+                <a:latin typeface="Times New Roman Regular" panose="02020603050405020304" charset="0"/>
+                <a:cs typeface="Times New Roman Regular" panose="02020603050405020304" charset="0"/>
+              </a:rPr>
+              <a:t>Kun Liu</a:t>
+            </a:r>
+            <a:endParaRPr lang="en-US" altLang="zh-CN">
+              <a:latin typeface="Times New Roman Regular" panose="02020603050405020304" charset="0"/>
+              <a:cs typeface="Times New Roman Regular" panose="02020603050405020304" charset="0"/>
+            </a:endParaRPr>
           </a:p>
         </p:txBody>
       </p:sp>
@@ -4167,6 +8120,12 @@
         <p:txBody>
           <a:bodyPr/>
           <a:p>
+            <a:r>
+              <a:rPr lang="zh-CN" altLang="en-US">
+                <a:sym typeface="+mn-ea"/>
+              </a:rPr>
+              <a:t>Characteristics of test requirements</a:t>
+            </a:r>
             <a:endParaRPr lang="zh-CN" altLang="en-US"/>
           </a:p>
         </p:txBody>
@@ -4181,9 +8140,64 @@
         </p:nvSpPr>
         <p:spPr/>
         <p:txBody>
-          <a:bodyPr/>
-          <a:p>
+          <a:bodyPr>
+            <a:normAutofit lnSpcReduction="20000"/>
+          </a:bodyPr>
+          <a:p>
+            <a:r>
+              <a:rPr lang="zh-CN" altLang="en-US"/>
+              <a:t>The developed test requirements must be verifiable</a:t>
+            </a:r>
             <a:endParaRPr lang="zh-CN" altLang="en-US"/>
+          </a:p>
+          <a:p>
+            <a:r>
+              <a:rPr lang="zh-CN" altLang="en-US"/>
+              <a:t>Test requirements should specify the normal prerequisites to meet the requirements, but also specify the error conditions when the requirements are not met</a:t>
+            </a:r>
+            <a:endParaRPr lang="zh-CN" altLang="en-US"/>
+          </a:p>
+          <a:p>
+            <a:r>
+              <a:rPr lang="zh-CN" altLang="en-US"/>
+              <a:t>Test requirements do not involve specific test data, test data design is what the test design environment should solve</a:t>
+            </a:r>
+            <a:endParaRPr lang="zh-CN" altLang="en-US"/>
+          </a:p>
+        </p:txBody>
+      </p:sp>
+      <p:sp>
+        <p:nvSpPr>
+          <p:cNvPr id="2" name="文本框 1"/>
+          <p:cNvSpPr txBox="1"/>
+          <p:nvPr/>
+        </p:nvSpPr>
+        <p:spPr>
+          <a:xfrm>
+            <a:off x="10434320" y="222250"/>
+            <a:ext cx="1075055" cy="368300"/>
+          </a:xfrm>
+          <a:prstGeom prst="rect">
+            <a:avLst/>
+          </a:prstGeom>
+          <a:noFill/>
+        </p:spPr>
+        <p:txBody>
+          <a:bodyPr wrap="square" rtlCol="0">
+            <a:spAutoFit/>
+          </a:bodyPr>
+          <a:p>
+            <a:r>
+              <a:rPr lang="en-US" altLang="zh-CN">
+                <a:latin typeface="Times New Roman Regular" panose="02020603050405020304" charset="0"/>
+                <a:cs typeface="Times New Roman Regular" panose="02020603050405020304" charset="0"/>
+              </a:rPr>
+              <a:t>Kun Liu</a:t>
+            </a:r>
+            <a:endParaRPr lang="en-US" altLang="zh-CN">
+              <a:latin typeface="Times New Roman Regular" panose="02020603050405020304" charset="0"/>
+              <a:cs typeface="Times New Roman Regular" panose="02020603050405020304" charset="0"/>
+            </a:endParaRPr>
           </a:p>
         </p:txBody>
       </p:sp>
@@ -4214,33 +8228,106 @@
       </p:grpSpPr>
       <p:sp>
         <p:nvSpPr>
-          <p:cNvPr id="4" name="标题 3"/>
+          <p:cNvPr id="4" name="内容占位符 3"/>
           <p:cNvSpPr/>
           <p:nvPr>
+            <p:ph idx="1"/>
+          </p:nvPr>
+        </p:nvSpPr>
+        <p:spPr/>
+        <p:txBody>
+          <a:bodyPr/>
+          <a:p>
+            <a:r>
+              <a:rPr lang="zh-CN" altLang="en-US"/>
+              <a:t>Software testing requirements are the basis for developing test cases</a:t>
+            </a:r>
+            <a:endParaRPr lang="zh-CN" altLang="en-US"/>
+          </a:p>
+          <a:p>
+            <a:r>
+              <a:rPr lang="zh-CN" altLang="en-US"/>
+              <a:t>Help to ensure the quality and progress of the test</a:t>
+            </a:r>
+            <a:endParaRPr lang="zh-CN" altLang="en-US"/>
+          </a:p>
+          <a:p>
+            <a:r>
+              <a:rPr lang="zh-CN" altLang="en-US"/>
+              <a:t>Test requirements are an important indicator to measure test coverage</a:t>
+            </a:r>
+            <a:endParaRPr lang="zh-CN" altLang="en-US"/>
+          </a:p>
+        </p:txBody>
+      </p:sp>
+      <p:sp>
+        <p:nvSpPr>
+          <p:cNvPr id="5" name="标题 4"/>
+          <p:cNvSpPr/>
+          <p:nvPr>
             <p:ph type="title"/>
           </p:nvPr>
         </p:nvSpPr>
         <p:spPr/>
         <p:txBody>
-          <a:bodyPr/>
-          <a:p>
+          <a:bodyPr>
+            <a:normAutofit/>
+          </a:bodyPr>
+          <a:p>
+            <a:r>
+              <a:rPr lang="zh-CN" altLang="en-US">
+                <a:sym typeface="+mn-ea"/>
+              </a:rPr>
+              <a:t>Why need </a:t>
+            </a:r>
+            <a:r>
+              <a:rPr lang="en-US" altLang="zh-CN">
+                <a:sym typeface="+mn-ea"/>
+              </a:rPr>
+              <a:t>to</a:t>
+            </a:r>
+            <a:r>
+              <a:rPr lang="zh-CN" altLang="en-US">
+                <a:sym typeface="+mn-ea"/>
+              </a:rPr>
+              <a:t> test requirements</a:t>
+            </a:r>
             <a:endParaRPr lang="zh-CN" altLang="en-US"/>
           </a:p>
         </p:txBody>
       </p:sp>
       <p:sp>
         <p:nvSpPr>
-          <p:cNvPr id="5" name="内容占位符 4"/>
-          <p:cNvSpPr/>
-          <p:nvPr>
-            <p:ph idx="1"/>
-          </p:nvPr>
-        </p:nvSpPr>
-        <p:spPr/>
-        <p:txBody>
-          <a:bodyPr/>
-          <a:p>
-            <a:endParaRPr lang="zh-CN" altLang="en-US"/>
+          <p:cNvPr id="2" name="文本框 1"/>
+          <p:cNvSpPr txBox="1"/>
+          <p:nvPr/>
+        </p:nvSpPr>
+        <p:spPr>
+          <a:xfrm>
+            <a:off x="10434320" y="222250"/>
+            <a:ext cx="1075055" cy="368300"/>
+          </a:xfrm>
+          <a:prstGeom prst="rect">
+            <a:avLst/>
+          </a:prstGeom>
+          <a:noFill/>
+        </p:spPr>
+        <p:txBody>
+          <a:bodyPr wrap="square" rtlCol="0">
+            <a:spAutoFit/>
+          </a:bodyPr>
+          <a:p>
+            <a:r>
+              <a:rPr lang="en-US" altLang="zh-CN">
+                <a:latin typeface="Times New Roman Regular" panose="02020603050405020304" charset="0"/>
+                <a:cs typeface="Times New Roman Regular" panose="02020603050405020304" charset="0"/>
+              </a:rPr>
+              <a:t>Kun Liu</a:t>
+            </a:r>
+            <a:endParaRPr lang="en-US" altLang="zh-CN">
+              <a:latin typeface="Times New Roman Regular" panose="02020603050405020304" charset="0"/>
+              <a:cs typeface="Times New Roman Regular" panose="02020603050405020304" charset="0"/>
+            </a:endParaRPr>
           </a:p>
         </p:txBody>
       </p:sp>
@@ -4271,6 +8358,1109 @@
       </p:grpSpPr>
       <p:sp>
         <p:nvSpPr>
+          <p:cNvPr id="4" name="标题 3"/>
+          <p:cNvSpPr/>
+          <p:nvPr>
+            <p:ph type="title"/>
+          </p:nvPr>
+        </p:nvSpPr>
+        <p:spPr/>
+        <p:txBody>
+          <a:bodyPr/>
+          <a:p>
+            <a:r>
+              <a:rPr lang="zh-CN" altLang="en-US"/>
+              <a:t>Test requirement analysis process</a:t>
+            </a:r>
+            <a:endParaRPr lang="zh-CN" altLang="en-US"/>
+          </a:p>
+        </p:txBody>
+      </p:sp>
+      <p:sp>
+        <p:nvSpPr>
+          <p:cNvPr id="2" name="文本框 1"/>
+          <p:cNvSpPr txBox="1"/>
+          <p:nvPr/>
+        </p:nvSpPr>
+        <p:spPr>
+          <a:xfrm>
+            <a:off x="10434320" y="222250"/>
+            <a:ext cx="1075055" cy="368300"/>
+          </a:xfrm>
+          <a:prstGeom prst="rect">
+            <a:avLst/>
+          </a:prstGeom>
+          <a:noFill/>
+        </p:spPr>
+        <p:txBody>
+          <a:bodyPr wrap="square" rtlCol="0">
+            <a:spAutoFit/>
+          </a:bodyPr>
+          <a:p>
+            <a:r>
+              <a:rPr lang="en-US" altLang="zh-CN">
+                <a:latin typeface="Times New Roman Regular" panose="02020603050405020304" charset="0"/>
+                <a:cs typeface="Times New Roman Regular" panose="02020603050405020304" charset="0"/>
+              </a:rPr>
+              <a:t>Kun Liu</a:t>
+            </a:r>
+            <a:endParaRPr lang="en-US" altLang="zh-CN">
+              <a:latin typeface="Times New Roman Regular" panose="02020603050405020304" charset="0"/>
+              <a:cs typeface="Times New Roman Regular" panose="02020603050405020304" charset="0"/>
+            </a:endParaRPr>
+          </a:p>
+        </p:txBody>
+      </p:sp>
+      <p:grpSp>
+        <p:nvGrpSpPr>
+          <p:cNvPr id="26" name="组合 25"/>
+          <p:cNvGrpSpPr/>
+          <p:nvPr/>
+        </p:nvGrpSpPr>
+        <p:grpSpPr>
+          <a:xfrm>
+            <a:off x="1707515" y="2026920"/>
+            <a:ext cx="7593330" cy="3881755"/>
+            <a:chOff x="1667" y="3160"/>
+            <a:chExt cx="11958" cy="6113"/>
+          </a:xfrm>
+        </p:grpSpPr>
+        <p:sp>
+          <p:nvSpPr>
+            <p:cNvPr id="6" name="矩形 5"/>
+            <p:cNvSpPr/>
+            <p:nvPr/>
+          </p:nvSpPr>
+          <p:spPr>
+            <a:xfrm>
+              <a:off x="1667" y="3160"/>
+              <a:ext cx="11958" cy="2505"/>
+            </a:xfrm>
+            <a:prstGeom prst="rect">
+              <a:avLst/>
+            </a:prstGeom>
+            <a:noFill/>
+            <a:ln>
+              <a:solidFill>
+                <a:schemeClr val="accent1"/>
+              </a:solidFill>
+              <a:prstDash val="dash"/>
+            </a:ln>
+            <a:extLst>
+              <a:ext uri="{909E8E84-426E-40DD-AFC4-6F175D3DCCD1}">
+                <a14:hiddenFill xmlns:a14="http://schemas.microsoft.com/office/drawing/2010/main">
+                  <a:solidFill>
+                    <a:schemeClr val="accent1"/>
+                  </a:solidFill>
+                </a14:hiddenFill>
+              </a:ext>
+            </a:extLst>
+          </p:spPr>
+          <p:style>
+            <a:lnRef idx="2">
+              <a:schemeClr val="accent1">
+                <a:shade val="50000"/>
+              </a:schemeClr>
+            </a:lnRef>
+            <a:fillRef idx="1">
+              <a:schemeClr val="accent1"/>
+            </a:fillRef>
+            <a:effectRef idx="0">
+              <a:schemeClr val="accent1"/>
+            </a:effectRef>
+            <a:fontRef idx="minor">
+              <a:schemeClr val="lt1"/>
+            </a:fontRef>
+          </p:style>
+          <p:txBody>
+            <a:bodyPr rtlCol="0" anchor="ctr"/>
+            <a:p>
+              <a:pPr algn="ctr"/>
+              <a:endParaRPr lang="zh-CN" altLang="en-US"/>
+            </a:p>
+          </p:txBody>
+        </p:sp>
+        <p:sp>
+          <p:nvSpPr>
+            <p:cNvPr id="8" name="流程图: 文档 7"/>
+            <p:cNvSpPr/>
+            <p:nvPr/>
+          </p:nvSpPr>
+          <p:spPr>
+            <a:xfrm>
+              <a:off x="3491" y="3725"/>
+              <a:ext cx="2091" cy="818"/>
+            </a:xfrm>
+            <a:prstGeom prst="flowChartDocument">
+              <a:avLst/>
+            </a:prstGeom>
+            <a:solidFill>
+              <a:schemeClr val="bg1">
+                <a:lumMod val="75000"/>
+              </a:schemeClr>
+            </a:solidFill>
+          </p:spPr>
+          <p:style>
+            <a:lnRef idx="2">
+              <a:schemeClr val="accent1">
+                <a:shade val="50000"/>
+              </a:schemeClr>
+            </a:lnRef>
+            <a:fillRef idx="1">
+              <a:schemeClr val="accent1"/>
+            </a:fillRef>
+            <a:effectRef idx="0">
+              <a:schemeClr val="accent1"/>
+            </a:effectRef>
+            <a:fontRef idx="minor">
+              <a:schemeClr val="lt1"/>
+            </a:fontRef>
+          </p:style>
+          <p:txBody>
+            <a:bodyPr rtlCol="0" anchor="ctr"/>
+            <a:p>
+              <a:pPr algn="ctr"/>
+              <a:endParaRPr lang="zh-CN" altLang="en-US" sz="1200" b="1">
+                <a:solidFill>
+                  <a:schemeClr val="tx1"/>
+                </a:solidFill>
+                <a:sym typeface="+mn-ea"/>
+              </a:endParaRPr>
+            </a:p>
+            <a:p>
+              <a:pPr algn="ctr"/>
+              <a:r>
+                <a:rPr lang="zh-CN" altLang="en-US" sz="1200" b="1">
+                  <a:solidFill>
+                    <a:schemeClr val="tx1"/>
+                  </a:solidFill>
+                  <a:sym typeface="+mn-ea"/>
+                </a:rPr>
+                <a:t>Requirements specification</a:t>
+              </a:r>
+              <a:endParaRPr lang="zh-CN" altLang="en-US" sz="1200" b="1">
+                <a:solidFill>
+                  <a:schemeClr val="tx1"/>
+                </a:solidFill>
+              </a:endParaRPr>
+            </a:p>
+            <a:p>
+              <a:pPr algn="ctr"/>
+              <a:endParaRPr lang="zh-CN" altLang="en-US" sz="1200" b="1">
+                <a:solidFill>
+                  <a:schemeClr val="tx1"/>
+                </a:solidFill>
+              </a:endParaRPr>
+            </a:p>
+          </p:txBody>
+        </p:sp>
+        <p:sp>
+          <p:nvSpPr>
+            <p:cNvPr id="9" name="流程图: 文档 8"/>
+            <p:cNvSpPr/>
+            <p:nvPr/>
+          </p:nvSpPr>
+          <p:spPr>
+            <a:xfrm>
+              <a:off x="6620" y="3450"/>
+              <a:ext cx="3726" cy="1368"/>
+            </a:xfrm>
+            <a:prstGeom prst="flowChartDocument">
+              <a:avLst/>
+            </a:prstGeom>
+            <a:solidFill>
+              <a:schemeClr val="bg1">
+                <a:lumMod val="75000"/>
+              </a:schemeClr>
+            </a:solidFill>
+          </p:spPr>
+          <p:style>
+            <a:lnRef idx="2">
+              <a:schemeClr val="accent1">
+                <a:shade val="50000"/>
+              </a:schemeClr>
+            </a:lnRef>
+            <a:fillRef idx="1">
+              <a:schemeClr val="accent1"/>
+            </a:fillRef>
+            <a:effectRef idx="0">
+              <a:schemeClr val="accent1"/>
+            </a:effectRef>
+            <a:fontRef idx="minor">
+              <a:schemeClr val="lt1"/>
+            </a:fontRef>
+          </p:style>
+          <p:txBody>
+            <a:bodyPr rtlCol="0" anchor="ctr"/>
+            <a:p>
+              <a:pPr algn="l"/>
+              <a:r>
+                <a:rPr lang="zh-CN" altLang="en-US" sz="1000" b="1">
+                  <a:solidFill>
+                    <a:schemeClr val="tx1"/>
+                  </a:solidFill>
+                </a:rPr>
+                <a:t>Analysis of test points</a:t>
+              </a:r>
+              <a:endParaRPr lang="zh-CN" altLang="en-US" sz="1000" b="1">
+                <a:solidFill>
+                  <a:schemeClr val="tx1"/>
+                </a:solidFill>
+              </a:endParaRPr>
+            </a:p>
+            <a:p>
+              <a:pPr algn="l"/>
+              <a:r>
+                <a:rPr lang="zh-CN" altLang="en-US" sz="1000" b="1">
+                  <a:solidFill>
+                    <a:schemeClr val="tx1"/>
+                  </a:solidFill>
+                </a:rPr>
+                <a:t>Functional interaction analysis</a:t>
+              </a:r>
+              <a:endParaRPr lang="zh-CN" altLang="en-US" sz="1000" b="1">
+                <a:solidFill>
+                  <a:schemeClr val="tx1"/>
+                </a:solidFill>
+              </a:endParaRPr>
+            </a:p>
+            <a:p>
+              <a:pPr algn="l"/>
+              <a:r>
+                <a:rPr lang="zh-CN" altLang="en-US" sz="1000" b="1">
+                  <a:solidFill>
+                    <a:schemeClr val="tx1"/>
+                  </a:solidFill>
+                </a:rPr>
+                <a:t>Quality characteristics analysis</a:t>
+              </a:r>
+              <a:endParaRPr lang="zh-CN" altLang="en-US" sz="1000" b="1">
+                <a:solidFill>
+                  <a:schemeClr val="tx1"/>
+                </a:solidFill>
+              </a:endParaRPr>
+            </a:p>
+            <a:p>
+              <a:pPr algn="l"/>
+              <a:r>
+                <a:rPr lang="zh-CN" altLang="en-US" sz="1000" b="1">
+                  <a:solidFill>
+                    <a:schemeClr val="tx1"/>
+                  </a:solidFill>
+                </a:rPr>
+                <a:t>Test type analysis</a:t>
+              </a:r>
+              <a:endParaRPr lang="zh-CN" altLang="en-US" sz="1000" b="1">
+                <a:solidFill>
+                  <a:schemeClr val="tx1"/>
+                </a:solidFill>
+              </a:endParaRPr>
+            </a:p>
+          </p:txBody>
+        </p:sp>
+        <p:sp>
+          <p:nvSpPr>
+            <p:cNvPr id="10" name="流程图: 文档 9"/>
+            <p:cNvSpPr/>
+            <p:nvPr/>
+          </p:nvSpPr>
+          <p:spPr>
+            <a:xfrm>
+              <a:off x="11129" y="3725"/>
+              <a:ext cx="2091" cy="818"/>
+            </a:xfrm>
+            <a:prstGeom prst="flowChartDocument">
+              <a:avLst/>
+            </a:prstGeom>
+            <a:solidFill>
+              <a:schemeClr val="bg1">
+                <a:lumMod val="75000"/>
+              </a:schemeClr>
+            </a:solidFill>
+          </p:spPr>
+          <p:style>
+            <a:lnRef idx="2">
+              <a:schemeClr val="accent1">
+                <a:shade val="50000"/>
+              </a:schemeClr>
+            </a:lnRef>
+            <a:fillRef idx="1">
+              <a:schemeClr val="accent1"/>
+            </a:fillRef>
+            <a:effectRef idx="0">
+              <a:schemeClr val="accent1"/>
+            </a:effectRef>
+            <a:fontRef idx="minor">
+              <a:schemeClr val="lt1"/>
+            </a:fontRef>
+          </p:style>
+          <p:txBody>
+            <a:bodyPr rtlCol="0" anchor="ctr"/>
+            <a:p>
+              <a:pPr algn="ctr"/>
+              <a:endParaRPr lang="zh-CN" altLang="en-US" sz="1200" b="1">
+                <a:solidFill>
+                  <a:schemeClr val="tx1"/>
+                </a:solidFill>
+                <a:sym typeface="+mn-ea"/>
+              </a:endParaRPr>
+            </a:p>
+            <a:p>
+              <a:pPr algn="ctr"/>
+              <a:r>
+                <a:rPr lang="en-US" altLang="zh-CN" sz="1200" b="1">
+                  <a:solidFill>
+                    <a:schemeClr val="tx1"/>
+                  </a:solidFill>
+                </a:rPr>
+                <a:t>Test Requirements</a:t>
+              </a:r>
+              <a:endParaRPr lang="zh-CN" altLang="en-US" sz="1200" b="1">
+                <a:solidFill>
+                  <a:schemeClr val="tx1"/>
+                </a:solidFill>
+              </a:endParaRPr>
+            </a:p>
+            <a:p>
+              <a:pPr algn="ctr"/>
+              <a:endParaRPr lang="zh-CN" altLang="en-US" sz="1200" b="1">
+                <a:solidFill>
+                  <a:schemeClr val="tx1"/>
+                </a:solidFill>
+              </a:endParaRPr>
+            </a:p>
+          </p:txBody>
+        </p:sp>
+        <p:sp>
+          <p:nvSpPr>
+            <p:cNvPr id="12" name="矩形 11"/>
+            <p:cNvSpPr/>
+            <p:nvPr/>
+          </p:nvSpPr>
+          <p:spPr>
+            <a:xfrm>
+              <a:off x="3711" y="6256"/>
+              <a:ext cx="1871" cy="818"/>
+            </a:xfrm>
+            <a:prstGeom prst="rect">
+              <a:avLst/>
+            </a:prstGeom>
+            <a:solidFill>
+              <a:schemeClr val="bg1">
+                <a:lumMod val="75000"/>
+              </a:schemeClr>
+            </a:solidFill>
+          </p:spPr>
+          <p:style>
+            <a:lnRef idx="2">
+              <a:schemeClr val="accent1">
+                <a:shade val="50000"/>
+              </a:schemeClr>
+            </a:lnRef>
+            <a:fillRef idx="1">
+              <a:schemeClr val="accent1"/>
+            </a:fillRef>
+            <a:effectRef idx="0">
+              <a:schemeClr val="accent1"/>
+            </a:effectRef>
+            <a:fontRef idx="minor">
+              <a:schemeClr val="lt1"/>
+            </a:fontRef>
+          </p:style>
+          <p:txBody>
+            <a:bodyPr rtlCol="0" anchor="ctr"/>
+            <a:p>
+              <a:pPr algn="ctr"/>
+              <a:r>
+                <a:rPr lang="en-US" altLang="zh-CN" sz="1200" b="1">
+                  <a:solidFill>
+                    <a:schemeClr val="tx1"/>
+                  </a:solidFill>
+                </a:rPr>
+                <a:t>Requirement collection</a:t>
+              </a:r>
+              <a:endParaRPr lang="en-US" altLang="zh-CN" sz="1200" b="1">
+                <a:solidFill>
+                  <a:schemeClr val="tx1"/>
+                </a:solidFill>
+              </a:endParaRPr>
+            </a:p>
+          </p:txBody>
+        </p:sp>
+        <p:sp>
+          <p:nvSpPr>
+            <p:cNvPr id="13" name="矩形 12"/>
+            <p:cNvSpPr/>
+            <p:nvPr/>
+          </p:nvSpPr>
+          <p:spPr>
+            <a:xfrm>
+              <a:off x="7371" y="6256"/>
+              <a:ext cx="1871" cy="818"/>
+            </a:xfrm>
+            <a:prstGeom prst="rect">
+              <a:avLst/>
+            </a:prstGeom>
+            <a:solidFill>
+              <a:schemeClr val="bg1">
+                <a:lumMod val="75000"/>
+              </a:schemeClr>
+            </a:solidFill>
+          </p:spPr>
+          <p:style>
+            <a:lnRef idx="2">
+              <a:schemeClr val="accent1">
+                <a:shade val="50000"/>
+              </a:schemeClr>
+            </a:lnRef>
+            <a:fillRef idx="1">
+              <a:schemeClr val="accent1"/>
+            </a:fillRef>
+            <a:effectRef idx="0">
+              <a:schemeClr val="accent1"/>
+            </a:effectRef>
+            <a:fontRef idx="minor">
+              <a:schemeClr val="lt1"/>
+            </a:fontRef>
+          </p:style>
+          <p:txBody>
+            <a:bodyPr rtlCol="0" anchor="ctr"/>
+            <a:p>
+              <a:pPr algn="ctr"/>
+              <a:r>
+                <a:rPr lang="en-US" altLang="zh-CN" sz="1200" b="1">
+                  <a:solidFill>
+                    <a:schemeClr val="tx1"/>
+                  </a:solidFill>
+                </a:rPr>
+                <a:t>Requirement analysis</a:t>
+              </a:r>
+              <a:endParaRPr lang="en-US" altLang="zh-CN" sz="1200" b="1">
+                <a:solidFill>
+                  <a:schemeClr val="tx1"/>
+                </a:solidFill>
+              </a:endParaRPr>
+            </a:p>
+          </p:txBody>
+        </p:sp>
+        <p:sp>
+          <p:nvSpPr>
+            <p:cNvPr id="14" name="矩形 13"/>
+            <p:cNvSpPr/>
+            <p:nvPr/>
+          </p:nvSpPr>
+          <p:spPr>
+            <a:xfrm>
+              <a:off x="11093" y="6256"/>
+              <a:ext cx="1871" cy="818"/>
+            </a:xfrm>
+            <a:prstGeom prst="rect">
+              <a:avLst/>
+            </a:prstGeom>
+            <a:solidFill>
+              <a:schemeClr val="bg1">
+                <a:lumMod val="75000"/>
+              </a:schemeClr>
+            </a:solidFill>
+          </p:spPr>
+          <p:style>
+            <a:lnRef idx="2">
+              <a:schemeClr val="accent1">
+                <a:shade val="50000"/>
+              </a:schemeClr>
+            </a:lnRef>
+            <a:fillRef idx="1">
+              <a:schemeClr val="accent1"/>
+            </a:fillRef>
+            <a:effectRef idx="0">
+              <a:schemeClr val="accent1"/>
+            </a:effectRef>
+            <a:fontRef idx="minor">
+              <a:schemeClr val="lt1"/>
+            </a:fontRef>
+          </p:style>
+          <p:txBody>
+            <a:bodyPr rtlCol="0" anchor="ctr"/>
+            <a:p>
+              <a:pPr algn="ctr"/>
+              <a:r>
+                <a:rPr lang="en-US" altLang="zh-CN" sz="1200" b="1">
+                  <a:solidFill>
+                    <a:schemeClr val="tx1"/>
+                  </a:solidFill>
+                </a:rPr>
+                <a:t>Requirement review</a:t>
+              </a:r>
+              <a:endParaRPr lang="en-US" altLang="zh-CN" sz="1200" b="1">
+                <a:solidFill>
+                  <a:schemeClr val="tx1"/>
+                </a:solidFill>
+              </a:endParaRPr>
+            </a:p>
+          </p:txBody>
+        </p:sp>
+        <p:sp>
+          <p:nvSpPr>
+            <p:cNvPr id="15" name="下箭头 14"/>
+            <p:cNvSpPr/>
+            <p:nvPr/>
+          </p:nvSpPr>
+          <p:spPr>
+            <a:xfrm>
+              <a:off x="4410" y="4818"/>
+              <a:ext cx="252" cy="1384"/>
+            </a:xfrm>
+            <a:prstGeom prst="downArrow">
+              <a:avLst/>
+            </a:prstGeom>
+            <a:solidFill>
+              <a:schemeClr val="tx1">
+                <a:lumMod val="65000"/>
+                <a:lumOff val="35000"/>
+              </a:schemeClr>
+            </a:solidFill>
+          </p:spPr>
+          <p:style>
+            <a:lnRef idx="2">
+              <a:schemeClr val="accent1">
+                <a:shade val="50000"/>
+              </a:schemeClr>
+            </a:lnRef>
+            <a:fillRef idx="1">
+              <a:schemeClr val="accent1"/>
+            </a:fillRef>
+            <a:effectRef idx="0">
+              <a:schemeClr val="accent1"/>
+            </a:effectRef>
+            <a:fontRef idx="minor">
+              <a:schemeClr val="lt1"/>
+            </a:fontRef>
+          </p:style>
+          <p:txBody>
+            <a:bodyPr rtlCol="0" anchor="ctr"/>
+            <a:p>
+              <a:pPr algn="ctr"/>
+              <a:endParaRPr lang="zh-CN" altLang="en-US"/>
+            </a:p>
+          </p:txBody>
+        </p:sp>
+        <p:sp>
+          <p:nvSpPr>
+            <p:cNvPr id="16" name="下箭头 15"/>
+            <p:cNvSpPr/>
+            <p:nvPr/>
+          </p:nvSpPr>
+          <p:spPr>
+            <a:xfrm>
+              <a:off x="8180" y="4845"/>
+              <a:ext cx="252" cy="1384"/>
+            </a:xfrm>
+            <a:prstGeom prst="downArrow">
+              <a:avLst/>
+            </a:prstGeom>
+            <a:solidFill>
+              <a:schemeClr val="tx1">
+                <a:lumMod val="65000"/>
+                <a:lumOff val="35000"/>
+              </a:schemeClr>
+            </a:solidFill>
+          </p:spPr>
+          <p:style>
+            <a:lnRef idx="2">
+              <a:schemeClr val="accent1">
+                <a:shade val="50000"/>
+              </a:schemeClr>
+            </a:lnRef>
+            <a:fillRef idx="1">
+              <a:schemeClr val="accent1"/>
+            </a:fillRef>
+            <a:effectRef idx="0">
+              <a:schemeClr val="accent1"/>
+            </a:effectRef>
+            <a:fontRef idx="minor">
+              <a:schemeClr val="lt1"/>
+            </a:fontRef>
+          </p:style>
+          <p:txBody>
+            <a:bodyPr rtlCol="0" anchor="ctr"/>
+            <a:p>
+              <a:pPr algn="ctr"/>
+              <a:endParaRPr lang="zh-CN" altLang="en-US"/>
+            </a:p>
+          </p:txBody>
+        </p:sp>
+        <p:sp>
+          <p:nvSpPr>
+            <p:cNvPr id="17" name="下箭头 16"/>
+            <p:cNvSpPr/>
+            <p:nvPr/>
+          </p:nvSpPr>
+          <p:spPr>
+            <a:xfrm>
+              <a:off x="12049" y="4818"/>
+              <a:ext cx="252" cy="1384"/>
+            </a:xfrm>
+            <a:prstGeom prst="downArrow">
+              <a:avLst/>
+            </a:prstGeom>
+            <a:solidFill>
+              <a:schemeClr val="tx1">
+                <a:lumMod val="65000"/>
+                <a:lumOff val="35000"/>
+              </a:schemeClr>
+            </a:solidFill>
+          </p:spPr>
+          <p:style>
+            <a:lnRef idx="2">
+              <a:schemeClr val="accent1">
+                <a:shade val="50000"/>
+              </a:schemeClr>
+            </a:lnRef>
+            <a:fillRef idx="1">
+              <a:schemeClr val="accent1"/>
+            </a:fillRef>
+            <a:effectRef idx="0">
+              <a:schemeClr val="accent1"/>
+            </a:effectRef>
+            <a:fontRef idx="minor">
+              <a:schemeClr val="lt1"/>
+            </a:fontRef>
+          </p:style>
+          <p:txBody>
+            <a:bodyPr rtlCol="0" anchor="ctr"/>
+            <a:p>
+              <a:pPr algn="ctr"/>
+              <a:endParaRPr lang="zh-CN" altLang="en-US"/>
+            </a:p>
+          </p:txBody>
+        </p:sp>
+        <p:sp>
+          <p:nvSpPr>
+            <p:cNvPr id="18" name="右箭头 17"/>
+            <p:cNvSpPr/>
+            <p:nvPr/>
+          </p:nvSpPr>
+          <p:spPr>
+            <a:xfrm>
+              <a:off x="5910" y="6382"/>
+              <a:ext cx="1132" cy="567"/>
+            </a:xfrm>
+            <a:prstGeom prst="rightArrow">
+              <a:avLst/>
+            </a:prstGeom>
+            <a:noFill/>
+            <a:extLst>
+              <a:ext uri="{909E8E84-426E-40DD-AFC4-6F175D3DCCD1}">
+                <a14:hiddenFill xmlns:a14="http://schemas.microsoft.com/office/drawing/2010/main">
+                  <a:solidFill>
+                    <a:schemeClr val="bg1">
+                      <a:lumMod val="65000"/>
+                    </a:schemeClr>
+                  </a:solidFill>
+                </a14:hiddenFill>
+              </a:ext>
+            </a:extLst>
+          </p:spPr>
+          <p:style>
+            <a:lnRef idx="2">
+              <a:schemeClr val="accent1">
+                <a:shade val="50000"/>
+              </a:schemeClr>
+            </a:lnRef>
+            <a:fillRef idx="1">
+              <a:schemeClr val="accent1"/>
+            </a:fillRef>
+            <a:effectRef idx="0">
+              <a:schemeClr val="accent1"/>
+            </a:effectRef>
+            <a:fontRef idx="minor">
+              <a:schemeClr val="lt1"/>
+            </a:fontRef>
+          </p:style>
+          <p:txBody>
+            <a:bodyPr rtlCol="0" anchor="ctr"/>
+            <a:p>
+              <a:pPr algn="ctr"/>
+              <a:endParaRPr lang="zh-CN" altLang="en-US"/>
+            </a:p>
+          </p:txBody>
+        </p:sp>
+        <p:sp>
+          <p:nvSpPr>
+            <p:cNvPr id="19" name="右箭头 18"/>
+            <p:cNvSpPr/>
+            <p:nvPr/>
+          </p:nvSpPr>
+          <p:spPr>
+            <a:xfrm>
+              <a:off x="9602" y="6381"/>
+              <a:ext cx="1132" cy="567"/>
+            </a:xfrm>
+            <a:prstGeom prst="rightArrow">
+              <a:avLst/>
+            </a:prstGeom>
+            <a:noFill/>
+            <a:extLst>
+              <a:ext uri="{909E8E84-426E-40DD-AFC4-6F175D3DCCD1}">
+                <a14:hiddenFill xmlns:a14="http://schemas.microsoft.com/office/drawing/2010/main">
+                  <a:solidFill>
+                    <a:schemeClr val="bg1">
+                      <a:lumMod val="65000"/>
+                    </a:schemeClr>
+                  </a:solidFill>
+                </a14:hiddenFill>
+              </a:ext>
+            </a:extLst>
+          </p:spPr>
+          <p:style>
+            <a:lnRef idx="2">
+              <a:schemeClr val="accent1">
+                <a:shade val="50000"/>
+              </a:schemeClr>
+            </a:lnRef>
+            <a:fillRef idx="1">
+              <a:schemeClr val="accent1"/>
+            </a:fillRef>
+            <a:effectRef idx="0">
+              <a:schemeClr val="accent1"/>
+            </a:effectRef>
+            <a:fontRef idx="minor">
+              <a:schemeClr val="lt1"/>
+            </a:fontRef>
+          </p:style>
+          <p:txBody>
+            <a:bodyPr rtlCol="0" anchor="ctr"/>
+            <a:p>
+              <a:pPr algn="ctr"/>
+              <a:endParaRPr lang="zh-CN" altLang="en-US"/>
+            </a:p>
+          </p:txBody>
+        </p:sp>
+        <p:sp>
+          <p:nvSpPr>
+            <p:cNvPr id="20" name="文本框 19"/>
+            <p:cNvSpPr txBox="1"/>
+            <p:nvPr/>
+          </p:nvSpPr>
+          <p:spPr>
+            <a:xfrm>
+              <a:off x="1667" y="3160"/>
+              <a:ext cx="1541" cy="580"/>
+            </a:xfrm>
+            <a:prstGeom prst="rect">
+              <a:avLst/>
+            </a:prstGeom>
+            <a:noFill/>
+          </p:spPr>
+          <p:txBody>
+            <a:bodyPr wrap="square" rtlCol="0">
+              <a:spAutoFit/>
+            </a:bodyPr>
+            <a:p>
+              <a:r>
+                <a:rPr lang="en-US" altLang="zh-CN" b="1"/>
+                <a:t>Input</a:t>
+              </a:r>
+              <a:endParaRPr lang="en-US" altLang="zh-CN" b="1"/>
+            </a:p>
+          </p:txBody>
+        </p:sp>
+        <p:sp>
+          <p:nvSpPr>
+            <p:cNvPr id="21" name="矩形 20"/>
+            <p:cNvSpPr/>
+            <p:nvPr/>
+          </p:nvSpPr>
+          <p:spPr>
+            <a:xfrm>
+              <a:off x="1667" y="7665"/>
+              <a:ext cx="11958" cy="1609"/>
+            </a:xfrm>
+            <a:prstGeom prst="rect">
+              <a:avLst/>
+            </a:prstGeom>
+            <a:noFill/>
+            <a:ln>
+              <a:solidFill>
+                <a:schemeClr val="accent1"/>
+              </a:solidFill>
+              <a:prstDash val="dash"/>
+            </a:ln>
+            <a:extLst>
+              <a:ext uri="{909E8E84-426E-40DD-AFC4-6F175D3DCCD1}">
+                <a14:hiddenFill xmlns:a14="http://schemas.microsoft.com/office/drawing/2010/main">
+                  <a:solidFill>
+                    <a:schemeClr val="accent1"/>
+                  </a:solidFill>
+                </a14:hiddenFill>
+              </a:ext>
+            </a:extLst>
+          </p:spPr>
+          <p:style>
+            <a:lnRef idx="2">
+              <a:schemeClr val="accent1">
+                <a:shade val="50000"/>
+              </a:schemeClr>
+            </a:lnRef>
+            <a:fillRef idx="1">
+              <a:schemeClr val="accent1"/>
+            </a:fillRef>
+            <a:effectRef idx="0">
+              <a:schemeClr val="accent1"/>
+            </a:effectRef>
+            <a:fontRef idx="minor">
+              <a:schemeClr val="lt1"/>
+            </a:fontRef>
+          </p:style>
+          <p:txBody>
+            <a:bodyPr rtlCol="0" anchor="ctr"/>
+            <a:p>
+              <a:pPr algn="ctr"/>
+              <a:endParaRPr lang="zh-CN" altLang="en-US"/>
+            </a:p>
+          </p:txBody>
+        </p:sp>
+        <p:sp>
+          <p:nvSpPr>
+            <p:cNvPr id="22" name="流程图: 数据 21"/>
+            <p:cNvSpPr/>
+            <p:nvPr/>
+          </p:nvSpPr>
+          <p:spPr>
+            <a:xfrm>
+              <a:off x="2672" y="8022"/>
+              <a:ext cx="3050" cy="896"/>
+            </a:xfrm>
+            <a:prstGeom prst="flowChartInputOutput">
+              <a:avLst/>
+            </a:prstGeom>
+            <a:solidFill>
+              <a:schemeClr val="bg1">
+                <a:lumMod val="95000"/>
+              </a:schemeClr>
+            </a:solidFill>
+          </p:spPr>
+          <p:style>
+            <a:lnRef idx="2">
+              <a:schemeClr val="accent1">
+                <a:shade val="50000"/>
+              </a:schemeClr>
+            </a:lnRef>
+            <a:fillRef idx="1">
+              <a:schemeClr val="accent1"/>
+            </a:fillRef>
+            <a:effectRef idx="0">
+              <a:schemeClr val="accent1"/>
+            </a:effectRef>
+            <a:fontRef idx="minor">
+              <a:schemeClr val="lt1"/>
+            </a:fontRef>
+          </p:style>
+          <p:txBody>
+            <a:bodyPr rtlCol="0" anchor="ctr"/>
+            <a:p>
+              <a:pPr algn="ctr"/>
+              <a:r>
+                <a:rPr lang="zh-CN" altLang="en-US" sz="1200" b="1">
+                  <a:solidFill>
+                    <a:schemeClr val="tx1"/>
+                  </a:solidFill>
+                </a:rPr>
+                <a:t>Original test requirement</a:t>
+              </a:r>
+              <a:endParaRPr lang="zh-CN" altLang="en-US" sz="1200" b="1">
+                <a:solidFill>
+                  <a:schemeClr val="tx1"/>
+                </a:solidFill>
+              </a:endParaRPr>
+            </a:p>
+          </p:txBody>
+        </p:sp>
+        <p:sp>
+          <p:nvSpPr>
+            <p:cNvPr id="23" name="流程图: 数据 22"/>
+            <p:cNvSpPr/>
+            <p:nvPr/>
+          </p:nvSpPr>
+          <p:spPr>
+            <a:xfrm>
+              <a:off x="6121" y="8014"/>
+              <a:ext cx="3481" cy="896"/>
+            </a:xfrm>
+            <a:prstGeom prst="flowChartInputOutput">
+              <a:avLst/>
+            </a:prstGeom>
+            <a:solidFill>
+              <a:schemeClr val="bg1">
+                <a:lumMod val="95000"/>
+              </a:schemeClr>
+            </a:solidFill>
+          </p:spPr>
+          <p:style>
+            <a:lnRef idx="2">
+              <a:schemeClr val="accent1">
+                <a:shade val="50000"/>
+              </a:schemeClr>
+            </a:lnRef>
+            <a:fillRef idx="1">
+              <a:schemeClr val="accent1"/>
+            </a:fillRef>
+            <a:effectRef idx="0">
+              <a:schemeClr val="accent1"/>
+            </a:effectRef>
+            <a:fontRef idx="minor">
+              <a:schemeClr val="lt1"/>
+            </a:fontRef>
+          </p:style>
+          <p:txBody>
+            <a:bodyPr rtlCol="0" anchor="ctr"/>
+            <a:p>
+              <a:pPr algn="l"/>
+              <a:r>
+                <a:rPr lang="zh-CN" altLang="en-US" sz="1200" b="1">
+                  <a:solidFill>
+                    <a:schemeClr val="tx1"/>
+                  </a:solidFill>
+                </a:rPr>
+                <a:t>Test </a:t>
+              </a:r>
+              <a:r>
+                <a:rPr lang="en-US" altLang="zh-CN" sz="1200" b="1">
+                  <a:solidFill>
+                    <a:schemeClr val="tx1"/>
+                  </a:solidFill>
+                </a:rPr>
+                <a:t>requirement</a:t>
+              </a:r>
+              <a:r>
+                <a:rPr lang="zh-CN" altLang="en-US" sz="1200" b="1">
+                  <a:solidFill>
+                    <a:schemeClr val="tx1"/>
+                  </a:solidFill>
+                </a:rPr>
+                <a:t> tracking matrix</a:t>
+              </a:r>
+              <a:endParaRPr lang="zh-CN" altLang="en-US" sz="1200" b="1">
+                <a:solidFill>
+                  <a:schemeClr val="tx1"/>
+                </a:solidFill>
+              </a:endParaRPr>
+            </a:p>
+          </p:txBody>
+        </p:sp>
+        <p:sp>
+          <p:nvSpPr>
+            <p:cNvPr id="24" name="流程图: 数据 23"/>
+            <p:cNvSpPr/>
+            <p:nvPr/>
+          </p:nvSpPr>
+          <p:spPr>
+            <a:xfrm>
+              <a:off x="9890" y="8025"/>
+              <a:ext cx="2852" cy="896"/>
+            </a:xfrm>
+            <a:prstGeom prst="flowChartInputOutput">
+              <a:avLst/>
+            </a:prstGeom>
+            <a:solidFill>
+              <a:schemeClr val="bg1">
+                <a:lumMod val="95000"/>
+              </a:schemeClr>
+            </a:solidFill>
+          </p:spPr>
+          <p:style>
+            <a:lnRef idx="2">
+              <a:schemeClr val="accent1">
+                <a:shade val="50000"/>
+              </a:schemeClr>
+            </a:lnRef>
+            <a:fillRef idx="1">
+              <a:schemeClr val="accent1"/>
+            </a:fillRef>
+            <a:effectRef idx="0">
+              <a:schemeClr val="accent1"/>
+            </a:effectRef>
+            <a:fontRef idx="minor">
+              <a:schemeClr val="lt1"/>
+            </a:fontRef>
+          </p:style>
+          <p:txBody>
+            <a:bodyPr rtlCol="0" anchor="ctr"/>
+            <a:p>
+              <a:pPr algn="l"/>
+              <a:r>
+                <a:rPr lang="zh-CN" altLang="en-US" sz="1200" b="1">
+                  <a:solidFill>
+                    <a:schemeClr val="tx1"/>
+                  </a:solidFill>
+                </a:rPr>
+                <a:t>Review report</a:t>
+              </a:r>
+              <a:endParaRPr lang="zh-CN" altLang="en-US" sz="1200" b="1">
+                <a:solidFill>
+                  <a:schemeClr val="tx1"/>
+                </a:solidFill>
+              </a:endParaRPr>
+            </a:p>
+          </p:txBody>
+        </p:sp>
+        <p:sp>
+          <p:nvSpPr>
+            <p:cNvPr id="25" name="文本框 24"/>
+            <p:cNvSpPr txBox="1"/>
+            <p:nvPr/>
+          </p:nvSpPr>
+          <p:spPr>
+            <a:xfrm>
+              <a:off x="1667" y="7665"/>
+              <a:ext cx="1541" cy="580"/>
+            </a:xfrm>
+            <a:prstGeom prst="rect">
+              <a:avLst/>
+            </a:prstGeom>
+            <a:noFill/>
+          </p:spPr>
+          <p:txBody>
+            <a:bodyPr wrap="square" rtlCol="0">
+              <a:spAutoFit/>
+            </a:bodyPr>
+            <a:p>
+              <a:r>
+                <a:rPr lang="en-US" altLang="zh-CN" b="1"/>
+                <a:t>Output</a:t>
+              </a:r>
+              <a:endParaRPr lang="en-US" altLang="zh-CN" b="1"/>
+            </a:p>
+          </p:txBody>
+        </p:sp>
+      </p:grpSp>
+    </p:spTree>
+  </p:cSld>
+  <p:clrMapOvr>
+    <a:masterClrMapping/>
+  </p:clrMapOvr>
+</p:sld>
+</file>
+
+<file path=ppt/slides/slide7.xml><?xml version="1.0" encoding="utf-8"?>
+<p:sld xmlns:a="http://schemas.openxmlformats.org/drawingml/2006/main" xmlns:r="http://schemas.openxmlformats.org/officeDocument/2006/relationships" xmlns:p="http://schemas.openxmlformats.org/presentationml/2006/main">
+  <p:cSld>
+    <p:spTree>
+      <p:nvGrpSpPr>
+        <p:cNvPr id="1" name=""/>
+        <p:cNvGrpSpPr/>
+        <p:nvPr/>
+      </p:nvGrpSpPr>
+      <p:grpSpPr>
+        <a:xfrm>
+          <a:off x="0" y="0"/>
+          <a:ext cx="0" cy="0"/>
+          <a:chOff x="0" y="0"/>
+          <a:chExt cx="0" cy="0"/>
+        </a:xfrm>
+      </p:grpSpPr>
+      <p:sp>
+        <p:nvSpPr>
           <p:cNvPr id="4" name="内容占位符 3"/>
           <p:cNvSpPr/>
           <p:nvPr>
@@ -4295,9 +9485,64 @@
         </p:nvSpPr>
         <p:spPr/>
         <p:txBody>
-          <a:bodyPr/>
-          <a:p>
+          <a:bodyPr>
+            <a:normAutofit/>
+          </a:bodyPr>
+          <a:p>
+            <a:r>
+              <a:rPr lang="zh-CN" altLang="en-US">
+                <a:sym typeface="+mn-ea"/>
+              </a:rPr>
+              <a:t>Why need </a:t>
+            </a:r>
+            <a:r>
+              <a:rPr lang="en-US" altLang="zh-CN">
+                <a:sym typeface="+mn-ea"/>
+              </a:rPr>
+              <a:t>to</a:t>
+            </a:r>
+            <a:r>
+              <a:rPr lang="zh-CN" altLang="en-US">
+                <a:sym typeface="+mn-ea"/>
+              </a:rPr>
+              <a:t> test requirements</a:t>
+            </a:r>
             <a:endParaRPr lang="zh-CN" altLang="en-US"/>
+          </a:p>
+        </p:txBody>
+      </p:sp>
+      <p:sp>
+        <p:nvSpPr>
+          <p:cNvPr id="2" name="文本框 1"/>
+          <p:cNvSpPr txBox="1"/>
+          <p:nvPr/>
+        </p:nvSpPr>
+        <p:spPr>
+          <a:xfrm>
+            <a:off x="10434320" y="222250"/>
+            <a:ext cx="1075055" cy="368300"/>
+          </a:xfrm>
+          <a:prstGeom prst="rect">
+            <a:avLst/>
+          </a:prstGeom>
+          <a:noFill/>
+        </p:spPr>
+        <p:txBody>
+          <a:bodyPr wrap="square" rtlCol="0">
+            <a:spAutoFit/>
+          </a:bodyPr>
+          <a:p>
+            <a:r>
+              <a:rPr lang="en-US" altLang="zh-CN">
+                <a:latin typeface="Times New Roman Regular" panose="02020603050405020304" charset="0"/>
+                <a:cs typeface="Times New Roman Regular" panose="02020603050405020304" charset="0"/>
+              </a:rPr>
+              <a:t>Kun Liu</a:t>
+            </a:r>
+            <a:endParaRPr lang="en-US" altLang="zh-CN">
+              <a:latin typeface="Times New Roman Regular" panose="02020603050405020304" charset="0"/>
+              <a:cs typeface="Times New Roman Regular" panose="02020603050405020304" charset="0"/>
+            </a:endParaRPr>
           </a:p>
         </p:txBody>
       </p:sp>
@@ -4506,4 +9751,203 @@
     </a:ext>
   </a:extLst>
 </a:theme>
+</file>
+
+<file path=ppt/theme/theme2.xml><?xml version="1.0" encoding="utf-8"?>
+<a:theme xmlns:a="http://schemas.openxmlformats.org/drawingml/2006/main" name="1_Office Theme">
+  <a:themeElements>
+    <a:clrScheme name="Office">
+      <a:dk1>
+        <a:sysClr val="windowText" lastClr="000000"/>
+      </a:dk1>
+      <a:lt1>
+        <a:sysClr val="window" lastClr="FFFFFF"/>
+      </a:lt1>
+      <a:dk2>
+        <a:srgbClr val="44546A"/>
+      </a:dk2>
+      <a:lt2>
+        <a:srgbClr val="E7E6E6"/>
+      </a:lt2>
+      <a:accent1>
+        <a:srgbClr val="4472C4"/>
+      </a:accent1>
+      <a:accent2>
+        <a:srgbClr val="ED7D31"/>
+      </a:accent2>
+      <a:accent3>
+        <a:srgbClr val="A5A5A5"/>
+      </a:accent3>
+      <a:accent4>
+        <a:srgbClr val="FFC000"/>
+      </a:accent4>
+      <a:accent5>
+        <a:srgbClr val="5B9BD5"/>
+      </a:accent5>
+      <a:accent6>
+        <a:srgbClr val="70AD47"/>
+      </a:accent6>
+      <a:hlink>
+        <a:srgbClr val="0563C1"/>
+      </a:hlink>
+      <a:folHlink>
+        <a:srgbClr val="954F72"/>
+      </a:folHlink>
+    </a:clrScheme>
+    <a:fontScheme name="NewCoC">
+      <a:majorFont>
+        <a:latin typeface="Source Sans Pro Semibold"/>
+        <a:ea typeface=""/>
+        <a:cs typeface=""/>
+      </a:majorFont>
+      <a:minorFont>
+        <a:latin typeface="Source Serif Pro"/>
+        <a:ea typeface=""/>
+        <a:cs typeface=""/>
+      </a:minorFont>
+    </a:fontScheme>
+    <a:fmtScheme name="Office">
+      <a:fillStyleLst>
+        <a:solidFill>
+          <a:schemeClr val="phClr"/>
+        </a:solidFill>
+        <a:gradFill rotWithShape="1">
+          <a:gsLst>
+            <a:gs pos="0">
+              <a:schemeClr val="phClr">
+                <a:lumMod val="110000"/>
+                <a:satMod val="105000"/>
+                <a:tint val="67000"/>
+              </a:schemeClr>
+            </a:gs>
+            <a:gs pos="50000">
+              <a:schemeClr val="phClr">
+                <a:lumMod val="105000"/>
+                <a:satMod val="103000"/>
+                <a:tint val="73000"/>
+              </a:schemeClr>
+            </a:gs>
+            <a:gs pos="100000">
+              <a:schemeClr val="phClr">
+                <a:lumMod val="105000"/>
+                <a:satMod val="109000"/>
+                <a:tint val="81000"/>
+              </a:schemeClr>
+            </a:gs>
+          </a:gsLst>
+          <a:lin ang="5400000" scaled="0"/>
+        </a:gradFill>
+        <a:gradFill rotWithShape="1">
+          <a:gsLst>
+            <a:gs pos="0">
+              <a:schemeClr val="phClr">
+                <a:satMod val="103000"/>
+                <a:lumMod val="102000"/>
+                <a:tint val="94000"/>
+              </a:schemeClr>
+            </a:gs>
+            <a:gs pos="50000">
+              <a:schemeClr val="phClr">
+                <a:satMod val="110000"/>
+                <a:lumMod val="100000"/>
+                <a:shade val="100000"/>
+              </a:schemeClr>
+            </a:gs>
+            <a:gs pos="100000">
+              <a:schemeClr val="phClr">
+                <a:lumMod val="99000"/>
+                <a:satMod val="120000"/>
+                <a:shade val="78000"/>
+              </a:schemeClr>
+            </a:gs>
+          </a:gsLst>
+          <a:lin ang="5400000" scaled="0"/>
+        </a:gradFill>
+      </a:fillStyleLst>
+      <a:lnStyleLst>
+        <a:ln w="6350" cap="flat" cmpd="sng" algn="ctr">
+          <a:solidFill>
+            <a:schemeClr val="phClr"/>
+          </a:solidFill>
+          <a:prstDash val="solid"/>
+          <a:miter lim="800000"/>
+        </a:ln>
+        <a:ln w="12700" cap="flat" cmpd="sng" algn="ctr">
+          <a:solidFill>
+            <a:schemeClr val="phClr"/>
+          </a:solidFill>
+          <a:prstDash val="solid"/>
+          <a:miter lim="800000"/>
+        </a:ln>
+        <a:ln w="19050" cap="flat" cmpd="sng" algn="ctr">
+          <a:solidFill>
+            <a:schemeClr val="phClr"/>
+          </a:solidFill>
+          <a:prstDash val="solid"/>
+          <a:miter lim="800000"/>
+        </a:ln>
+      </a:lnStyleLst>
+      <a:effectStyleLst>
+        <a:effectStyle>
+          <a:effectLst/>
+        </a:effectStyle>
+        <a:effectStyle>
+          <a:effectLst/>
+        </a:effectStyle>
+        <a:effectStyle>
+          <a:effectLst>
+            <a:outerShdw blurRad="57150" dist="19050" dir="5400000" algn="ctr" rotWithShape="0">
+              <a:srgbClr val="000000">
+                <a:alpha val="63000"/>
+              </a:srgbClr>
+            </a:outerShdw>
+          </a:effectLst>
+        </a:effectStyle>
+      </a:effectStyleLst>
+      <a:bgFillStyleLst>
+        <a:solidFill>
+          <a:schemeClr val="phClr"/>
+        </a:solidFill>
+        <a:solidFill>
+          <a:schemeClr val="phClr">
+            <a:tint val="95000"/>
+            <a:satMod val="170000"/>
+          </a:schemeClr>
+        </a:solidFill>
+        <a:gradFill rotWithShape="1">
+          <a:gsLst>
+            <a:gs pos="0">
+              <a:schemeClr val="phClr">
+                <a:tint val="93000"/>
+                <a:satMod val="150000"/>
+                <a:shade val="98000"/>
+                <a:lumMod val="102000"/>
+              </a:schemeClr>
+            </a:gs>
+            <a:gs pos="50000">
+              <a:schemeClr val="phClr">
+                <a:tint val="98000"/>
+                <a:satMod val="130000"/>
+                <a:shade val="90000"/>
+                <a:lumMod val="103000"/>
+              </a:schemeClr>
+            </a:gs>
+            <a:gs pos="100000">
+              <a:schemeClr val="phClr">
+                <a:shade val="63000"/>
+                <a:satMod val="120000"/>
+              </a:schemeClr>
+            </a:gs>
+          </a:gsLst>
+          <a:lin ang="5400000" scaled="0"/>
+        </a:gradFill>
+      </a:bgFillStyleLst>
+    </a:fmtScheme>
+  </a:themeElements>
+  <a:extLst>
+    <a:ext uri="{05A4C25C-085E-4340-85A3-A5531E510DB2}">
+      <thm15:themeFamily xmlns:thm15="http://schemas.microsoft.com/office/thememl/2012/main" name="Office Theme" id="{62F939B6-93AF-4DB8-9C6B-D6C7DFDC589F}" vid="{4A3C46E8-61CC-4603-A589-7422A47A8E4A}"/>
+    </a:ext>
+  </a:extLst>
+</a:theme>
 </file>